--- a/doc/dbxtune-central.pptx
+++ b/doc/dbxtune-central.pptx
@@ -112,10 +112,6 @@
 </p:presentation>
 </file>
 
-<file path=ppt/revisionInfo.xml><?xml version="1.0" encoding="utf-8"?>
-<p1510:revInfo xmlns:a="http://schemas.openxmlformats.org/drawingml/2006/main" xmlns:r="http://schemas.openxmlformats.org/officeDocument/2006/relationships" xmlns:p1510="http://schemas.microsoft.com/office/powerpoint/2015/10/main"/>
-</file>
-
 <file path=ppt/slideLayouts/slideLayout1.xml><?xml version="1.0" encoding="utf-8"?>
 <p:sldLayout xmlns:a="http://schemas.openxmlformats.org/drawingml/2006/main" xmlns:r="http://schemas.openxmlformats.org/officeDocument/2006/relationships" xmlns:p="http://schemas.openxmlformats.org/presentationml/2006/main" type="title" preserve="1">
   <p:cSld name="Title Slide">
@@ -265,7 +261,7 @@
           <a:p>
             <a:fld id="{53150193-47EB-4257-9CCF-AA4A17C43B46}" type="datetimeFigureOut">
               <a:rPr lang="en-GB" smtClean="0"/>
-              <a:t>24/02/2018</a:t>
+              <a:t>21/10/2020</a:t>
             </a:fld>
             <a:endParaRPr lang="en-GB"/>
           </a:p>
@@ -465,7 +461,7 @@
           <a:p>
             <a:fld id="{53150193-47EB-4257-9CCF-AA4A17C43B46}" type="datetimeFigureOut">
               <a:rPr lang="en-GB" smtClean="0"/>
-              <a:t>24/02/2018</a:t>
+              <a:t>21/10/2020</a:t>
             </a:fld>
             <a:endParaRPr lang="en-GB"/>
           </a:p>
@@ -675,7 +671,7 @@
           <a:p>
             <a:fld id="{53150193-47EB-4257-9CCF-AA4A17C43B46}" type="datetimeFigureOut">
               <a:rPr lang="en-GB" smtClean="0"/>
-              <a:t>24/02/2018</a:t>
+              <a:t>21/10/2020</a:t>
             </a:fld>
             <a:endParaRPr lang="en-GB"/>
           </a:p>
@@ -875,7 +871,7 @@
           <a:p>
             <a:fld id="{53150193-47EB-4257-9CCF-AA4A17C43B46}" type="datetimeFigureOut">
               <a:rPr lang="en-GB" smtClean="0"/>
-              <a:t>24/02/2018</a:t>
+              <a:t>21/10/2020</a:t>
             </a:fld>
             <a:endParaRPr lang="en-GB"/>
           </a:p>
@@ -1151,7 +1147,7 @@
           <a:p>
             <a:fld id="{53150193-47EB-4257-9CCF-AA4A17C43B46}" type="datetimeFigureOut">
               <a:rPr lang="en-GB" smtClean="0"/>
-              <a:t>24/02/2018</a:t>
+              <a:t>21/10/2020</a:t>
             </a:fld>
             <a:endParaRPr lang="en-GB"/>
           </a:p>
@@ -1419,7 +1415,7 @@
           <a:p>
             <a:fld id="{53150193-47EB-4257-9CCF-AA4A17C43B46}" type="datetimeFigureOut">
               <a:rPr lang="en-GB" smtClean="0"/>
-              <a:t>24/02/2018</a:t>
+              <a:t>21/10/2020</a:t>
             </a:fld>
             <a:endParaRPr lang="en-GB"/>
           </a:p>
@@ -1834,7 +1830,7 @@
           <a:p>
             <a:fld id="{53150193-47EB-4257-9CCF-AA4A17C43B46}" type="datetimeFigureOut">
               <a:rPr lang="en-GB" smtClean="0"/>
-              <a:t>24/02/2018</a:t>
+              <a:t>21/10/2020</a:t>
             </a:fld>
             <a:endParaRPr lang="en-GB"/>
           </a:p>
@@ -1976,7 +1972,7 @@
           <a:p>
             <a:fld id="{53150193-47EB-4257-9CCF-AA4A17C43B46}" type="datetimeFigureOut">
               <a:rPr lang="en-GB" smtClean="0"/>
-              <a:t>24/02/2018</a:t>
+              <a:t>21/10/2020</a:t>
             </a:fld>
             <a:endParaRPr lang="en-GB"/>
           </a:p>
@@ -2089,7 +2085,7 @@
           <a:p>
             <a:fld id="{53150193-47EB-4257-9CCF-AA4A17C43B46}" type="datetimeFigureOut">
               <a:rPr lang="en-GB" smtClean="0"/>
-              <a:t>24/02/2018</a:t>
+              <a:t>21/10/2020</a:t>
             </a:fld>
             <a:endParaRPr lang="en-GB"/>
           </a:p>
@@ -2402,7 +2398,7 @@
           <a:p>
             <a:fld id="{53150193-47EB-4257-9CCF-AA4A17C43B46}" type="datetimeFigureOut">
               <a:rPr lang="en-GB" smtClean="0"/>
-              <a:t>24/02/2018</a:t>
+              <a:t>21/10/2020</a:t>
             </a:fld>
             <a:endParaRPr lang="en-GB"/>
           </a:p>
@@ -2691,7 +2687,7 @@
           <a:p>
             <a:fld id="{53150193-47EB-4257-9CCF-AA4A17C43B46}" type="datetimeFigureOut">
               <a:rPr lang="en-GB" smtClean="0"/>
-              <a:t>24/02/2018</a:t>
+              <a:t>21/10/2020</a:t>
             </a:fld>
             <a:endParaRPr lang="en-GB"/>
           </a:p>
@@ -2934,7 +2930,7 @@
           <a:p>
             <a:fld id="{53150193-47EB-4257-9CCF-AA4A17C43B46}" type="datetimeFigureOut">
               <a:rPr lang="en-GB" smtClean="0"/>
-              <a:t>24/02/2018</a:t>
+              <a:t>21/10/2020</a:t>
             </a:fld>
             <a:endParaRPr lang="en-GB"/>
           </a:p>
@@ -3405,7 +3401,50 @@
         </p:nvSpPr>
         <p:spPr>
           <a:xfrm>
-            <a:off x="838200" y="1225486"/>
+            <a:off x="838199" y="1225486"/>
+            <a:ext cx="1547969" cy="646331"/>
+          </a:xfrm>
+          <a:prstGeom prst="rect">
+            <a:avLst/>
+          </a:prstGeom>
+          <a:noFill/>
+          <a:ln>
+            <a:solidFill>
+              <a:schemeClr val="accent1"/>
+            </a:solidFill>
+          </a:ln>
+        </p:spPr>
+        <p:txBody>
+          <a:bodyPr wrap="square" rtlCol="0">
+            <a:spAutoFit/>
+          </a:bodyPr>
+          <a:lstStyle/>
+          <a:p>
+            <a:r>
+              <a:rPr lang="sv-SE" dirty="0"/>
+              <a:t>PROD_1A_ASE</a:t>
+            </a:r>
+          </a:p>
+          <a:p>
+            <a:endParaRPr lang="en-GB" dirty="0"/>
+          </a:p>
+        </p:txBody>
+      </p:sp>
+      <p:sp>
+        <p:nvSpPr>
+          <p:cNvPr id="7" name="TextBox 6">
+            <a:extLst>
+              <a:ext uri="{FF2B5EF4-FFF2-40B4-BE49-F238E27FC236}">
+                <a16:creationId xmlns:a16="http://schemas.microsoft.com/office/drawing/2014/main" id="{EA903EAC-19EA-4103-878B-0CFCC0A4A86A}"/>
+              </a:ext>
+            </a:extLst>
+          </p:cNvPr>
+          <p:cNvSpPr txBox="1"/>
+          <p:nvPr/>
+        </p:nvSpPr>
+        <p:spPr>
+          <a:xfrm>
+            <a:off x="2499671" y="1218659"/>
             <a:ext cx="1306689" cy="646331"/>
           </a:xfrm>
           <a:prstGeom prst="rect">
@@ -3426,7 +3465,7 @@
           <a:p>
             <a:r>
               <a:rPr lang="sv-SE" dirty="0"/>
-              <a:t>DEV_ASE</a:t>
+              <a:t>PROD_RS</a:t>
             </a:r>
           </a:p>
           <a:p>
@@ -3436,10 +3475,10 @@
       </p:sp>
       <p:sp>
         <p:nvSpPr>
-          <p:cNvPr id="6" name="TextBox 5">
-            <a:extLst>
-              <a:ext uri="{FF2B5EF4-FFF2-40B4-BE49-F238E27FC236}">
-                <a16:creationId xmlns:a16="http://schemas.microsoft.com/office/drawing/2014/main" id="{3BD5AFB2-A885-4F65-A2A1-B25BA3841F89}"/>
+          <p:cNvPr id="8" name="TextBox 7">
+            <a:extLst>
+              <a:ext uri="{FF2B5EF4-FFF2-40B4-BE49-F238E27FC236}">
+                <a16:creationId xmlns:a16="http://schemas.microsoft.com/office/drawing/2014/main" id="{A25C9476-0218-4821-8196-6FE30EC1B9C4}"/>
               </a:ext>
             </a:extLst>
           </p:cNvPr>
@@ -3448,8 +3487,8 @@
         </p:nvSpPr>
         <p:spPr>
           <a:xfrm>
-            <a:off x="2571044" y="1225485"/>
-            <a:ext cx="1306689" cy="646331"/>
+            <a:off x="5889975" y="1225485"/>
+            <a:ext cx="1598219" cy="646331"/>
           </a:xfrm>
           <a:prstGeom prst="rect">
             <a:avLst/>
@@ -3468,94 +3507,8 @@
           <a:lstStyle/>
           <a:p>
             <a:r>
-              <a:rPr lang="sv-SE" dirty="0"/>
-              <a:t>SYS_ASE</a:t>
-            </a:r>
-          </a:p>
-          <a:p>
-            <a:endParaRPr lang="en-GB" dirty="0"/>
-          </a:p>
-        </p:txBody>
-      </p:sp>
-      <p:sp>
-        <p:nvSpPr>
-          <p:cNvPr id="7" name="TextBox 6">
-            <a:extLst>
-              <a:ext uri="{FF2B5EF4-FFF2-40B4-BE49-F238E27FC236}">
-                <a16:creationId xmlns:a16="http://schemas.microsoft.com/office/drawing/2014/main" id="{EA903EAC-19EA-4103-878B-0CFCC0A4A86A}"/>
-              </a:ext>
-            </a:extLst>
-          </p:cNvPr>
-          <p:cNvSpPr txBox="1"/>
-          <p:nvPr/>
-        </p:nvSpPr>
-        <p:spPr>
-          <a:xfrm>
-            <a:off x="4303888" y="1225485"/>
-            <a:ext cx="1306689" cy="646331"/>
-          </a:xfrm>
-          <a:prstGeom prst="rect">
-            <a:avLst/>
-          </a:prstGeom>
-          <a:noFill/>
-          <a:ln>
-            <a:solidFill>
-              <a:schemeClr val="accent1"/>
-            </a:solidFill>
-          </a:ln>
-        </p:spPr>
-        <p:txBody>
-          <a:bodyPr wrap="square" rtlCol="0">
-            <a:spAutoFit/>
-          </a:bodyPr>
-          <a:lstStyle/>
-          <a:p>
-            <a:r>
-              <a:rPr lang="sv-SE" dirty="0"/>
-              <a:t>INT_ASE</a:t>
-            </a:r>
-          </a:p>
-          <a:p>
-            <a:endParaRPr lang="en-GB" dirty="0"/>
-          </a:p>
-        </p:txBody>
-      </p:sp>
-      <p:sp>
-        <p:nvSpPr>
-          <p:cNvPr id="8" name="TextBox 7">
-            <a:extLst>
-              <a:ext uri="{FF2B5EF4-FFF2-40B4-BE49-F238E27FC236}">
-                <a16:creationId xmlns:a16="http://schemas.microsoft.com/office/drawing/2014/main" id="{A25C9476-0218-4821-8196-6FE30EC1B9C4}"/>
-              </a:ext>
-            </a:extLst>
-          </p:cNvPr>
-          <p:cNvSpPr txBox="1"/>
-          <p:nvPr/>
-        </p:nvSpPr>
-        <p:spPr>
-          <a:xfrm>
-            <a:off x="6036732" y="1225485"/>
-            <a:ext cx="1306689" cy="646331"/>
-          </a:xfrm>
-          <a:prstGeom prst="rect">
-            <a:avLst/>
-          </a:prstGeom>
-          <a:noFill/>
-          <a:ln>
-            <a:solidFill>
-              <a:schemeClr val="accent1"/>
-            </a:solidFill>
-          </a:ln>
-        </p:spPr>
-        <p:txBody>
-          <a:bodyPr wrap="square" rtlCol="0">
-            <a:spAutoFit/>
-          </a:bodyPr>
-          <a:lstStyle/>
-          <a:p>
-            <a:r>
-              <a:rPr lang="sv-SE" dirty="0"/>
-              <a:t>STAGE_ASE</a:t>
+              <a:rPr lang="en-GB" dirty="0"/>
+              <a:t>prod-1a-mssql</a:t>
             </a:r>
           </a:p>
           <a:p>
@@ -3597,8 +3550,8 @@
           <a:lstStyle/>
           <a:p>
             <a:r>
-              <a:rPr lang="sv-SE" dirty="0"/>
-              <a:t>PROD_A_ASE</a:t>
+              <a:rPr lang="en-GB" dirty="0"/>
+              <a:t>prod-1a-pg</a:t>
             </a:r>
           </a:p>
           <a:p>
@@ -3620,8 +3573,8 @@
         </p:nvSpPr>
         <p:spPr>
           <a:xfrm>
-            <a:off x="9649177" y="1225485"/>
-            <a:ext cx="1453446" cy="646331"/>
+            <a:off x="9504404" y="1225485"/>
+            <a:ext cx="1598219" cy="646331"/>
           </a:xfrm>
           <a:prstGeom prst="rect">
             <a:avLst/>
@@ -3640,8 +3593,8 @@
           <a:lstStyle/>
           <a:p>
             <a:r>
-              <a:rPr lang="sv-SE" dirty="0"/>
-              <a:t>PROD_B_ASE</a:t>
+              <a:rPr lang="en-GB" dirty="0"/>
+              <a:t>prod-1a-mysql</a:t>
             </a:r>
           </a:p>
           <a:p>
@@ -3904,181 +3857,6 @@
       </p:sp>
       <p:sp>
         <p:nvSpPr>
-          <p:cNvPr id="25" name="Freeform: Shape 24">
-            <a:extLst>
-              <a:ext uri="{FF2B5EF4-FFF2-40B4-BE49-F238E27FC236}">
-                <a16:creationId xmlns:a16="http://schemas.microsoft.com/office/drawing/2014/main" id="{3CF5D850-2936-407E-A383-59C6FF4A1255}"/>
-              </a:ext>
-            </a:extLst>
-          </p:cNvPr>
-          <p:cNvSpPr/>
-          <p:nvPr/>
-        </p:nvSpPr>
-        <p:spPr>
-          <a:xfrm>
-            <a:off x="1052048" y="1632928"/>
-            <a:ext cx="1201174" cy="2047249"/>
-          </a:xfrm>
-          <a:custGeom>
-            <a:avLst/>
-            <a:gdLst>
-              <a:gd name="connsiteX0" fmla="*/ 670854 w 761490"/>
-              <a:gd name="connsiteY0" fmla="*/ 2014071 h 2265684"/>
-              <a:gd name="connsiteX1" fmla="*/ 4810 w 761490"/>
-              <a:gd name="connsiteY1" fmla="*/ 196559 h 2265684"/>
-              <a:gd name="connsiteX2" fmla="*/ 388632 w 761490"/>
-              <a:gd name="connsiteY2" fmla="*/ 264293 h 2265684"/>
-              <a:gd name="connsiteX3" fmla="*/ 727299 w 761490"/>
-              <a:gd name="connsiteY3" fmla="*/ 2104382 h 2265684"/>
-              <a:gd name="connsiteX4" fmla="*/ 749877 w 761490"/>
-              <a:gd name="connsiteY4" fmla="*/ 2172115 h 2265684"/>
-              <a:gd name="connsiteX5" fmla="*/ 749877 w 761490"/>
-              <a:gd name="connsiteY5" fmla="*/ 2172115 h 2265684"/>
-              <a:gd name="connsiteX0" fmla="*/ 670854 w 1049914"/>
-              <a:gd name="connsiteY0" fmla="*/ 2014071 h 2264983"/>
-              <a:gd name="connsiteX1" fmla="*/ 4810 w 1049914"/>
-              <a:gd name="connsiteY1" fmla="*/ 196559 h 2264983"/>
-              <a:gd name="connsiteX2" fmla="*/ 388632 w 1049914"/>
-              <a:gd name="connsiteY2" fmla="*/ 264293 h 2264983"/>
-              <a:gd name="connsiteX3" fmla="*/ 727299 w 1049914"/>
-              <a:gd name="connsiteY3" fmla="*/ 2104382 h 2264983"/>
-              <a:gd name="connsiteX4" fmla="*/ 749877 w 1049914"/>
-              <a:gd name="connsiteY4" fmla="*/ 2172115 h 2264983"/>
-              <a:gd name="connsiteX5" fmla="*/ 1049914 w 1049914"/>
-              <a:gd name="connsiteY5" fmla="*/ 2264983 h 2264983"/>
-              <a:gd name="connsiteX0" fmla="*/ 670854 w 1049914"/>
-              <a:gd name="connsiteY0" fmla="*/ 2014071 h 2297793"/>
-              <a:gd name="connsiteX1" fmla="*/ 4810 w 1049914"/>
-              <a:gd name="connsiteY1" fmla="*/ 196559 h 2297793"/>
-              <a:gd name="connsiteX2" fmla="*/ 388632 w 1049914"/>
-              <a:gd name="connsiteY2" fmla="*/ 264293 h 2297793"/>
-              <a:gd name="connsiteX3" fmla="*/ 727299 w 1049914"/>
-              <a:gd name="connsiteY3" fmla="*/ 2104382 h 2297793"/>
-              <a:gd name="connsiteX4" fmla="*/ 1049914 w 1049914"/>
-              <a:gd name="connsiteY4" fmla="*/ 2264983 h 2297793"/>
-              <a:gd name="connsiteX0" fmla="*/ 671701 w 1050761"/>
-              <a:gd name="connsiteY0" fmla="*/ 2023282 h 2274194"/>
-              <a:gd name="connsiteX1" fmla="*/ 5657 w 1050761"/>
-              <a:gd name="connsiteY1" fmla="*/ 205770 h 2274194"/>
-              <a:gd name="connsiteX2" fmla="*/ 389479 w 1050761"/>
-              <a:gd name="connsiteY2" fmla="*/ 273504 h 2274194"/>
-              <a:gd name="connsiteX3" fmla="*/ 1050761 w 1050761"/>
-              <a:gd name="connsiteY3" fmla="*/ 2274194 h 2274194"/>
-              <a:gd name="connsiteX0" fmla="*/ 944674 w 1061797"/>
-              <a:gd name="connsiteY0" fmla="*/ 2310396 h 2310396"/>
-              <a:gd name="connsiteX1" fmla="*/ 16693 w 1061797"/>
-              <a:gd name="connsiteY1" fmla="*/ 223803 h 2310396"/>
-              <a:gd name="connsiteX2" fmla="*/ 400515 w 1061797"/>
-              <a:gd name="connsiteY2" fmla="*/ 291537 h 2310396"/>
-              <a:gd name="connsiteX3" fmla="*/ 1061797 w 1061797"/>
-              <a:gd name="connsiteY3" fmla="*/ 2292227 h 2310396"/>
-              <a:gd name="connsiteX0" fmla="*/ 940449 w 1057572"/>
-              <a:gd name="connsiteY0" fmla="*/ 2529651 h 2529651"/>
-              <a:gd name="connsiteX1" fmla="*/ 12468 w 1057572"/>
-              <a:gd name="connsiteY1" fmla="*/ 443058 h 2529651"/>
-              <a:gd name="connsiteX2" fmla="*/ 448035 w 1057572"/>
-              <a:gd name="connsiteY2" fmla="*/ 169976 h 2529651"/>
-              <a:gd name="connsiteX3" fmla="*/ 1057572 w 1057572"/>
-              <a:gd name="connsiteY3" fmla="*/ 2511482 h 2529651"/>
-              <a:gd name="connsiteX0" fmla="*/ 957274 w 1074397"/>
-              <a:gd name="connsiteY0" fmla="*/ 2589220 h 2589220"/>
-              <a:gd name="connsiteX1" fmla="*/ 12044 w 1074397"/>
-              <a:gd name="connsiteY1" fmla="*/ 354940 h 2589220"/>
-              <a:gd name="connsiteX2" fmla="*/ 464860 w 1074397"/>
-              <a:gd name="connsiteY2" fmla="*/ 229545 h 2589220"/>
-              <a:gd name="connsiteX3" fmla="*/ 1074397 w 1074397"/>
-              <a:gd name="connsiteY3" fmla="*/ 2571051 h 2589220"/>
-              <a:gd name="connsiteX0" fmla="*/ 1983623 w 2100746"/>
-              <a:gd name="connsiteY0" fmla="*/ 2531638 h 2531638"/>
-              <a:gd name="connsiteX1" fmla="*/ 3484 w 2100746"/>
-              <a:gd name="connsiteY1" fmla="*/ 479127 h 2531638"/>
-              <a:gd name="connsiteX2" fmla="*/ 1491209 w 2100746"/>
-              <a:gd name="connsiteY2" fmla="*/ 171963 h 2531638"/>
-              <a:gd name="connsiteX3" fmla="*/ 2100746 w 2100746"/>
-              <a:gd name="connsiteY3" fmla="*/ 2513469 h 2531638"/>
-              <a:gd name="connsiteX0" fmla="*/ 2058040 w 2175163"/>
-              <a:gd name="connsiteY0" fmla="*/ 2441768 h 2441768"/>
-              <a:gd name="connsiteX1" fmla="*/ 77901 w 2175163"/>
-              <a:gd name="connsiteY1" fmla="*/ 389257 h 2441768"/>
-              <a:gd name="connsiteX2" fmla="*/ 470346 w 2175163"/>
-              <a:gd name="connsiteY2" fmla="*/ 201378 h 2441768"/>
-              <a:gd name="connsiteX3" fmla="*/ 2175163 w 2175163"/>
-              <a:gd name="connsiteY3" fmla="*/ 2423599 h 2441768"/>
-            </a:gdLst>
-            <a:ahLst/>
-            <a:cxnLst>
-              <a:cxn ang="0">
-                <a:pos x="connsiteX0" y="connsiteY0"/>
-              </a:cxn>
-              <a:cxn ang="0">
-                <a:pos x="connsiteX1" y="connsiteY1"/>
-              </a:cxn>
-              <a:cxn ang="0">
-                <a:pos x="connsiteX2" y="connsiteY2"/>
-              </a:cxn>
-              <a:cxn ang="0">
-                <a:pos x="connsiteX3" y="connsiteY3"/>
-              </a:cxn>
-            </a:cxnLst>
-            <a:rect l="l" t="t" r="r" b="b"/>
-            <a:pathLst>
-              <a:path w="2175163" h="2441768">
-                <a:moveTo>
-                  <a:pt x="2058040" y="2441768"/>
-                </a:moveTo>
-                <a:cubicBezTo>
-                  <a:pt x="1748536" y="1678827"/>
-                  <a:pt x="342517" y="762655"/>
-                  <a:pt x="77901" y="389257"/>
-                </a:cubicBezTo>
-                <a:cubicBezTo>
-                  <a:pt x="-186715" y="15859"/>
-                  <a:pt x="293287" y="-167974"/>
-                  <a:pt x="470346" y="201378"/>
-                </a:cubicBezTo>
-                <a:cubicBezTo>
-                  <a:pt x="647405" y="570730"/>
-                  <a:pt x="2037396" y="2006789"/>
-                  <a:pt x="2175163" y="2423599"/>
-                </a:cubicBezTo>
-              </a:path>
-            </a:pathLst>
-          </a:custGeom>
-          <a:noFill/>
-          <a:ln>
-            <a:solidFill>
-              <a:schemeClr val="tx1"/>
-            </a:solidFill>
-            <a:tailEnd type="triangle"/>
-          </a:ln>
-        </p:spPr>
-        <p:style>
-          <a:lnRef idx="2">
-            <a:schemeClr val="accent1">
-              <a:shade val="50000"/>
-            </a:schemeClr>
-          </a:lnRef>
-          <a:fillRef idx="1">
-            <a:schemeClr val="accent1"/>
-          </a:fillRef>
-          <a:effectRef idx="0">
-            <a:schemeClr val="accent1"/>
-          </a:effectRef>
-          <a:fontRef idx="minor">
-            <a:schemeClr val="lt1"/>
-          </a:fontRef>
-        </p:style>
-        <p:txBody>
-          <a:bodyPr rtlCol="0" anchor="ctr"/>
-          <a:lstStyle/>
-          <a:p>
-            <a:pPr algn="ctr"/>
-            <a:endParaRPr lang="en-GB" dirty="0"/>
-          </a:p>
-        </p:txBody>
-      </p:sp>
-      <p:sp>
-        <p:nvSpPr>
           <p:cNvPr id="26" name="Oval 25">
             <a:extLst>
               <a:ext uri="{FF2B5EF4-FFF2-40B4-BE49-F238E27FC236}">
@@ -4125,197 +3903,6 @@
       </p:sp>
       <p:sp>
         <p:nvSpPr>
-          <p:cNvPr id="27" name="Freeform: Shape 26">
-            <a:extLst>
-              <a:ext uri="{FF2B5EF4-FFF2-40B4-BE49-F238E27FC236}">
-                <a16:creationId xmlns:a16="http://schemas.microsoft.com/office/drawing/2014/main" id="{58E9949C-45F4-4A7D-AF79-EE66EEE0B11E}"/>
-              </a:ext>
-            </a:extLst>
-          </p:cNvPr>
-          <p:cNvSpPr/>
-          <p:nvPr/>
-        </p:nvSpPr>
-        <p:spPr>
-          <a:xfrm>
-            <a:off x="2667551" y="1704943"/>
-            <a:ext cx="373069" cy="1975234"/>
-          </a:xfrm>
-          <a:custGeom>
-            <a:avLst/>
-            <a:gdLst>
-              <a:gd name="connsiteX0" fmla="*/ 670854 w 761490"/>
-              <a:gd name="connsiteY0" fmla="*/ 2014071 h 2265684"/>
-              <a:gd name="connsiteX1" fmla="*/ 4810 w 761490"/>
-              <a:gd name="connsiteY1" fmla="*/ 196559 h 2265684"/>
-              <a:gd name="connsiteX2" fmla="*/ 388632 w 761490"/>
-              <a:gd name="connsiteY2" fmla="*/ 264293 h 2265684"/>
-              <a:gd name="connsiteX3" fmla="*/ 727299 w 761490"/>
-              <a:gd name="connsiteY3" fmla="*/ 2104382 h 2265684"/>
-              <a:gd name="connsiteX4" fmla="*/ 749877 w 761490"/>
-              <a:gd name="connsiteY4" fmla="*/ 2172115 h 2265684"/>
-              <a:gd name="connsiteX5" fmla="*/ 749877 w 761490"/>
-              <a:gd name="connsiteY5" fmla="*/ 2172115 h 2265684"/>
-              <a:gd name="connsiteX0" fmla="*/ 670854 w 1049914"/>
-              <a:gd name="connsiteY0" fmla="*/ 2014071 h 2264983"/>
-              <a:gd name="connsiteX1" fmla="*/ 4810 w 1049914"/>
-              <a:gd name="connsiteY1" fmla="*/ 196559 h 2264983"/>
-              <a:gd name="connsiteX2" fmla="*/ 388632 w 1049914"/>
-              <a:gd name="connsiteY2" fmla="*/ 264293 h 2264983"/>
-              <a:gd name="connsiteX3" fmla="*/ 727299 w 1049914"/>
-              <a:gd name="connsiteY3" fmla="*/ 2104382 h 2264983"/>
-              <a:gd name="connsiteX4" fmla="*/ 749877 w 1049914"/>
-              <a:gd name="connsiteY4" fmla="*/ 2172115 h 2264983"/>
-              <a:gd name="connsiteX5" fmla="*/ 1049914 w 1049914"/>
-              <a:gd name="connsiteY5" fmla="*/ 2264983 h 2264983"/>
-              <a:gd name="connsiteX0" fmla="*/ 670854 w 1049914"/>
-              <a:gd name="connsiteY0" fmla="*/ 2014071 h 2297793"/>
-              <a:gd name="connsiteX1" fmla="*/ 4810 w 1049914"/>
-              <a:gd name="connsiteY1" fmla="*/ 196559 h 2297793"/>
-              <a:gd name="connsiteX2" fmla="*/ 388632 w 1049914"/>
-              <a:gd name="connsiteY2" fmla="*/ 264293 h 2297793"/>
-              <a:gd name="connsiteX3" fmla="*/ 727299 w 1049914"/>
-              <a:gd name="connsiteY3" fmla="*/ 2104382 h 2297793"/>
-              <a:gd name="connsiteX4" fmla="*/ 1049914 w 1049914"/>
-              <a:gd name="connsiteY4" fmla="*/ 2264983 h 2297793"/>
-              <a:gd name="connsiteX0" fmla="*/ 671701 w 1050761"/>
-              <a:gd name="connsiteY0" fmla="*/ 2023282 h 2274194"/>
-              <a:gd name="connsiteX1" fmla="*/ 5657 w 1050761"/>
-              <a:gd name="connsiteY1" fmla="*/ 205770 h 2274194"/>
-              <a:gd name="connsiteX2" fmla="*/ 389479 w 1050761"/>
-              <a:gd name="connsiteY2" fmla="*/ 273504 h 2274194"/>
-              <a:gd name="connsiteX3" fmla="*/ 1050761 w 1050761"/>
-              <a:gd name="connsiteY3" fmla="*/ 2274194 h 2274194"/>
-              <a:gd name="connsiteX0" fmla="*/ 944674 w 1061797"/>
-              <a:gd name="connsiteY0" fmla="*/ 2310396 h 2310396"/>
-              <a:gd name="connsiteX1" fmla="*/ 16693 w 1061797"/>
-              <a:gd name="connsiteY1" fmla="*/ 223803 h 2310396"/>
-              <a:gd name="connsiteX2" fmla="*/ 400515 w 1061797"/>
-              <a:gd name="connsiteY2" fmla="*/ 291537 h 2310396"/>
-              <a:gd name="connsiteX3" fmla="*/ 1061797 w 1061797"/>
-              <a:gd name="connsiteY3" fmla="*/ 2292227 h 2310396"/>
-              <a:gd name="connsiteX0" fmla="*/ 952606 w 2012148"/>
-              <a:gd name="connsiteY0" fmla="*/ 2431124 h 2431124"/>
-              <a:gd name="connsiteX1" fmla="*/ 24625 w 2012148"/>
-              <a:gd name="connsiteY1" fmla="*/ 344531 h 2431124"/>
-              <a:gd name="connsiteX2" fmla="*/ 1995307 w 2012148"/>
-              <a:gd name="connsiteY2" fmla="*/ 207775 h 2431124"/>
-              <a:gd name="connsiteX3" fmla="*/ 1069729 w 2012148"/>
-              <a:gd name="connsiteY3" fmla="*/ 2412955 h 2431124"/>
-              <a:gd name="connsiteX0" fmla="*/ 96523 w 1141841"/>
-              <a:gd name="connsiteY0" fmla="*/ 2487308 h 2487308"/>
-              <a:gd name="connsiteX1" fmla="*/ 479426 w 1141841"/>
-              <a:gd name="connsiteY1" fmla="*/ 287110 h 2487308"/>
-              <a:gd name="connsiteX2" fmla="*/ 1139224 w 1141841"/>
-              <a:gd name="connsiteY2" fmla="*/ 263959 h 2487308"/>
-              <a:gd name="connsiteX3" fmla="*/ 213646 w 1141841"/>
-              <a:gd name="connsiteY3" fmla="*/ 2469139 h 2487308"/>
-              <a:gd name="connsiteX0" fmla="*/ 638053 w 1681707"/>
-              <a:gd name="connsiteY0" fmla="*/ 2469029 h 2469029"/>
-              <a:gd name="connsiteX1" fmla="*/ 37793 w 1681707"/>
-              <a:gd name="connsiteY1" fmla="*/ 308592 h 2469029"/>
-              <a:gd name="connsiteX2" fmla="*/ 1680754 w 1681707"/>
-              <a:gd name="connsiteY2" fmla="*/ 245680 h 2469029"/>
-              <a:gd name="connsiteX3" fmla="*/ 755176 w 1681707"/>
-              <a:gd name="connsiteY3" fmla="*/ 2450860 h 2469029"/>
-              <a:gd name="connsiteX0" fmla="*/ 601336 w 718459"/>
-              <a:gd name="connsiteY0" fmla="*/ 2469029 h 2469029"/>
-              <a:gd name="connsiteX1" fmla="*/ 1076 w 718459"/>
-              <a:gd name="connsiteY1" fmla="*/ 308592 h 2469029"/>
-              <a:gd name="connsiteX2" fmla="*/ 436643 w 718459"/>
-              <a:gd name="connsiteY2" fmla="*/ 245680 h 2469029"/>
-              <a:gd name="connsiteX3" fmla="*/ 718459 w 718459"/>
-              <a:gd name="connsiteY3" fmla="*/ 2450860 h 2469029"/>
-              <a:gd name="connsiteX0" fmla="*/ 558313 w 675436"/>
-              <a:gd name="connsiteY0" fmla="*/ 2447829 h 2447829"/>
-              <a:gd name="connsiteX1" fmla="*/ 1173 w 675436"/>
-              <a:gd name="connsiteY1" fmla="*/ 338515 h 2447829"/>
-              <a:gd name="connsiteX2" fmla="*/ 393620 w 675436"/>
-              <a:gd name="connsiteY2" fmla="*/ 224480 h 2447829"/>
-              <a:gd name="connsiteX3" fmla="*/ 675436 w 675436"/>
-              <a:gd name="connsiteY3" fmla="*/ 2429660 h 2447829"/>
-              <a:gd name="connsiteX0" fmla="*/ 558454 w 675577"/>
-              <a:gd name="connsiteY0" fmla="*/ 2355876 h 2355876"/>
-              <a:gd name="connsiteX1" fmla="*/ 1314 w 675577"/>
-              <a:gd name="connsiteY1" fmla="*/ 246562 h 2355876"/>
-              <a:gd name="connsiteX2" fmla="*/ 385136 w 675577"/>
-              <a:gd name="connsiteY2" fmla="*/ 285893 h 2355876"/>
-              <a:gd name="connsiteX3" fmla="*/ 675577 w 675577"/>
-              <a:gd name="connsiteY3" fmla="*/ 2337707 h 2355876"/>
-            </a:gdLst>
-            <a:ahLst/>
-            <a:cxnLst>
-              <a:cxn ang="0">
-                <a:pos x="connsiteX0" y="connsiteY0"/>
-              </a:cxn>
-              <a:cxn ang="0">
-                <a:pos x="connsiteX1" y="connsiteY1"/>
-              </a:cxn>
-              <a:cxn ang="0">
-                <a:pos x="connsiteX2" y="connsiteY2"/>
-              </a:cxn>
-              <a:cxn ang="0">
-                <a:pos x="connsiteX3" y="connsiteY3"/>
-              </a:cxn>
-            </a:cxnLst>
-            <a:rect l="l" t="t" r="r" b="b"/>
-            <a:pathLst>
-              <a:path w="675577" h="2355876">
-                <a:moveTo>
-                  <a:pt x="558454" y="2355876"/>
-                </a:moveTo>
-                <a:cubicBezTo>
-                  <a:pt x="248950" y="1592935"/>
-                  <a:pt x="30200" y="591559"/>
-                  <a:pt x="1314" y="246562"/>
-                </a:cubicBezTo>
-                <a:cubicBezTo>
-                  <a:pt x="-27572" y="-98435"/>
-                  <a:pt x="429433" y="-77779"/>
-                  <a:pt x="385136" y="285893"/>
-                </a:cubicBezTo>
-                <a:cubicBezTo>
-                  <a:pt x="340839" y="649565"/>
-                  <a:pt x="537810" y="1920897"/>
-                  <a:pt x="675577" y="2337707"/>
-                </a:cubicBezTo>
-              </a:path>
-            </a:pathLst>
-          </a:custGeom>
-          <a:noFill/>
-          <a:ln>
-            <a:solidFill>
-              <a:schemeClr val="tx1"/>
-            </a:solidFill>
-            <a:tailEnd type="triangle"/>
-          </a:ln>
-        </p:spPr>
-        <p:style>
-          <a:lnRef idx="2">
-            <a:schemeClr val="accent1">
-              <a:shade val="50000"/>
-            </a:schemeClr>
-          </a:lnRef>
-          <a:fillRef idx="1">
-            <a:schemeClr val="accent1"/>
-          </a:fillRef>
-          <a:effectRef idx="0">
-            <a:schemeClr val="accent1"/>
-          </a:effectRef>
-          <a:fontRef idx="minor">
-            <a:schemeClr val="lt1"/>
-          </a:fontRef>
-        </p:style>
-        <p:txBody>
-          <a:bodyPr rtlCol="0" anchor="ctr"/>
-          <a:lstStyle/>
-          <a:p>
-            <a:pPr algn="ctr"/>
-            <a:endParaRPr lang="en-GB" dirty="0"/>
-          </a:p>
-        </p:txBody>
-      </p:sp>
-      <p:sp>
-        <p:nvSpPr>
           <p:cNvPr id="28" name="Oval 27">
             <a:extLst>
               <a:ext uri="{FF2B5EF4-FFF2-40B4-BE49-F238E27FC236}">
@@ -4362,197 +3949,6 @@
       </p:sp>
       <p:sp>
         <p:nvSpPr>
-          <p:cNvPr id="29" name="Freeform: Shape 28">
-            <a:extLst>
-              <a:ext uri="{FF2B5EF4-FFF2-40B4-BE49-F238E27FC236}">
-                <a16:creationId xmlns:a16="http://schemas.microsoft.com/office/drawing/2014/main" id="{7AE0613A-F9D4-4F2C-BB64-6886EA0EEF38}"/>
-              </a:ext>
-            </a:extLst>
-          </p:cNvPr>
-          <p:cNvSpPr/>
-          <p:nvPr/>
-        </p:nvSpPr>
-        <p:spPr>
-          <a:xfrm>
-            <a:off x="3732616" y="1686558"/>
-            <a:ext cx="838965" cy="1993617"/>
-          </a:xfrm>
-          <a:custGeom>
-            <a:avLst/>
-            <a:gdLst>
-              <a:gd name="connsiteX0" fmla="*/ 670854 w 761490"/>
-              <a:gd name="connsiteY0" fmla="*/ 2014071 h 2265684"/>
-              <a:gd name="connsiteX1" fmla="*/ 4810 w 761490"/>
-              <a:gd name="connsiteY1" fmla="*/ 196559 h 2265684"/>
-              <a:gd name="connsiteX2" fmla="*/ 388632 w 761490"/>
-              <a:gd name="connsiteY2" fmla="*/ 264293 h 2265684"/>
-              <a:gd name="connsiteX3" fmla="*/ 727299 w 761490"/>
-              <a:gd name="connsiteY3" fmla="*/ 2104382 h 2265684"/>
-              <a:gd name="connsiteX4" fmla="*/ 749877 w 761490"/>
-              <a:gd name="connsiteY4" fmla="*/ 2172115 h 2265684"/>
-              <a:gd name="connsiteX5" fmla="*/ 749877 w 761490"/>
-              <a:gd name="connsiteY5" fmla="*/ 2172115 h 2265684"/>
-              <a:gd name="connsiteX0" fmla="*/ 670854 w 1049914"/>
-              <a:gd name="connsiteY0" fmla="*/ 2014071 h 2264983"/>
-              <a:gd name="connsiteX1" fmla="*/ 4810 w 1049914"/>
-              <a:gd name="connsiteY1" fmla="*/ 196559 h 2264983"/>
-              <a:gd name="connsiteX2" fmla="*/ 388632 w 1049914"/>
-              <a:gd name="connsiteY2" fmla="*/ 264293 h 2264983"/>
-              <a:gd name="connsiteX3" fmla="*/ 727299 w 1049914"/>
-              <a:gd name="connsiteY3" fmla="*/ 2104382 h 2264983"/>
-              <a:gd name="connsiteX4" fmla="*/ 749877 w 1049914"/>
-              <a:gd name="connsiteY4" fmla="*/ 2172115 h 2264983"/>
-              <a:gd name="connsiteX5" fmla="*/ 1049914 w 1049914"/>
-              <a:gd name="connsiteY5" fmla="*/ 2264983 h 2264983"/>
-              <a:gd name="connsiteX0" fmla="*/ 670854 w 1049914"/>
-              <a:gd name="connsiteY0" fmla="*/ 2014071 h 2297793"/>
-              <a:gd name="connsiteX1" fmla="*/ 4810 w 1049914"/>
-              <a:gd name="connsiteY1" fmla="*/ 196559 h 2297793"/>
-              <a:gd name="connsiteX2" fmla="*/ 388632 w 1049914"/>
-              <a:gd name="connsiteY2" fmla="*/ 264293 h 2297793"/>
-              <a:gd name="connsiteX3" fmla="*/ 727299 w 1049914"/>
-              <a:gd name="connsiteY3" fmla="*/ 2104382 h 2297793"/>
-              <a:gd name="connsiteX4" fmla="*/ 1049914 w 1049914"/>
-              <a:gd name="connsiteY4" fmla="*/ 2264983 h 2297793"/>
-              <a:gd name="connsiteX0" fmla="*/ 671701 w 1050761"/>
-              <a:gd name="connsiteY0" fmla="*/ 2023282 h 2274194"/>
-              <a:gd name="connsiteX1" fmla="*/ 5657 w 1050761"/>
-              <a:gd name="connsiteY1" fmla="*/ 205770 h 2274194"/>
-              <a:gd name="connsiteX2" fmla="*/ 389479 w 1050761"/>
-              <a:gd name="connsiteY2" fmla="*/ 273504 h 2274194"/>
-              <a:gd name="connsiteX3" fmla="*/ 1050761 w 1050761"/>
-              <a:gd name="connsiteY3" fmla="*/ 2274194 h 2274194"/>
-              <a:gd name="connsiteX0" fmla="*/ 944674 w 1061797"/>
-              <a:gd name="connsiteY0" fmla="*/ 2310396 h 2310396"/>
-              <a:gd name="connsiteX1" fmla="*/ 16693 w 1061797"/>
-              <a:gd name="connsiteY1" fmla="*/ 223803 h 2310396"/>
-              <a:gd name="connsiteX2" fmla="*/ 400515 w 1061797"/>
-              <a:gd name="connsiteY2" fmla="*/ 291537 h 2310396"/>
-              <a:gd name="connsiteX3" fmla="*/ 1061797 w 1061797"/>
-              <a:gd name="connsiteY3" fmla="*/ 2292227 h 2310396"/>
-              <a:gd name="connsiteX0" fmla="*/ 1055376 w 4071261"/>
-              <a:gd name="connsiteY0" fmla="*/ 2503919 h 2503919"/>
-              <a:gd name="connsiteX1" fmla="*/ 127395 w 4071261"/>
-              <a:gd name="connsiteY1" fmla="*/ 417326 h 2503919"/>
-              <a:gd name="connsiteX2" fmla="*/ 4064405 w 4071261"/>
-              <a:gd name="connsiteY2" fmla="*/ 178326 h 2503919"/>
-              <a:gd name="connsiteX3" fmla="*/ 1172499 w 4071261"/>
-              <a:gd name="connsiteY3" fmla="*/ 2485750 h 2503919"/>
-              <a:gd name="connsiteX0" fmla="*/ 47742 w 3083438"/>
-              <a:gd name="connsiteY0" fmla="*/ 2487846 h 2487846"/>
-              <a:gd name="connsiteX1" fmla="*/ 1517300 w 3083438"/>
-              <a:gd name="connsiteY1" fmla="*/ 446695 h 2487846"/>
-              <a:gd name="connsiteX2" fmla="*/ 3056771 w 3083438"/>
-              <a:gd name="connsiteY2" fmla="*/ 162253 h 2487846"/>
-              <a:gd name="connsiteX3" fmla="*/ 164865 w 3083438"/>
-              <a:gd name="connsiteY3" fmla="*/ 2469677 h 2487846"/>
-              <a:gd name="connsiteX0" fmla="*/ 45511 w 2625329"/>
-              <a:gd name="connsiteY0" fmla="*/ 2403723 h 2403723"/>
-              <a:gd name="connsiteX1" fmla="*/ 1515069 w 2625329"/>
-              <a:gd name="connsiteY1" fmla="*/ 362572 h 2403723"/>
-              <a:gd name="connsiteX2" fmla="*/ 2588831 w 2625329"/>
-              <a:gd name="connsiteY2" fmla="*/ 191736 h 2403723"/>
-              <a:gd name="connsiteX3" fmla="*/ 162634 w 2625329"/>
-              <a:gd name="connsiteY3" fmla="*/ 2385554 h 2403723"/>
-              <a:gd name="connsiteX0" fmla="*/ 61327 w 2630883"/>
-              <a:gd name="connsiteY0" fmla="*/ 2418112 h 2418112"/>
-              <a:gd name="connsiteX1" fmla="*/ 1116922 w 2630883"/>
-              <a:gd name="connsiteY1" fmla="*/ 337200 h 2418112"/>
-              <a:gd name="connsiteX2" fmla="*/ 2604647 w 2630883"/>
-              <a:gd name="connsiteY2" fmla="*/ 206125 h 2418112"/>
-              <a:gd name="connsiteX3" fmla="*/ 178450 w 2630883"/>
-              <a:gd name="connsiteY3" fmla="*/ 2399943 h 2418112"/>
-              <a:gd name="connsiteX0" fmla="*/ 53184 w 1524370"/>
-              <a:gd name="connsiteY0" fmla="*/ 2377801 h 2377801"/>
-              <a:gd name="connsiteX1" fmla="*/ 1108779 w 1524370"/>
-              <a:gd name="connsiteY1" fmla="*/ 296889 h 2377801"/>
-              <a:gd name="connsiteX2" fmla="*/ 1449479 w 1524370"/>
-              <a:gd name="connsiteY2" fmla="*/ 228296 h 2377801"/>
-              <a:gd name="connsiteX3" fmla="*/ 170307 w 1524370"/>
-              <a:gd name="connsiteY3" fmla="*/ 2359632 h 2377801"/>
-              <a:gd name="connsiteX0" fmla="*/ 55643 w 1519252"/>
-              <a:gd name="connsiteY0" fmla="*/ 2377801 h 2377801"/>
-              <a:gd name="connsiteX1" fmla="*/ 1050867 w 1519252"/>
-              <a:gd name="connsiteY1" fmla="*/ 296889 h 2377801"/>
-              <a:gd name="connsiteX2" fmla="*/ 1451938 w 1519252"/>
-              <a:gd name="connsiteY2" fmla="*/ 228296 h 2377801"/>
-              <a:gd name="connsiteX3" fmla="*/ 172766 w 1519252"/>
-              <a:gd name="connsiteY3" fmla="*/ 2359632 h 2377801"/>
-            </a:gdLst>
-            <a:ahLst/>
-            <a:cxnLst>
-              <a:cxn ang="0">
-                <a:pos x="connsiteX0" y="connsiteY0"/>
-              </a:cxn>
-              <a:cxn ang="0">
-                <a:pos x="connsiteX1" y="connsiteY1"/>
-              </a:cxn>
-              <a:cxn ang="0">
-                <a:pos x="connsiteX2" y="connsiteY2"/>
-              </a:cxn>
-              <a:cxn ang="0">
-                <a:pos x="connsiteX3" y="connsiteY3"/>
-              </a:cxn>
-            </a:cxnLst>
-            <a:rect l="l" t="t" r="r" b="b"/>
-            <a:pathLst>
-              <a:path w="1519252" h="2377801">
-                <a:moveTo>
-                  <a:pt x="55643" y="2377801"/>
-                </a:moveTo>
-                <a:cubicBezTo>
-                  <a:pt x="-253861" y="1614860"/>
-                  <a:pt x="818151" y="655140"/>
-                  <a:pt x="1050867" y="296889"/>
-                </a:cubicBezTo>
-                <a:cubicBezTo>
-                  <a:pt x="1283583" y="-61362"/>
-                  <a:pt x="1677344" y="-108868"/>
-                  <a:pt x="1451938" y="228296"/>
-                </a:cubicBezTo>
-                <a:cubicBezTo>
-                  <a:pt x="1226532" y="565460"/>
-                  <a:pt x="34999" y="1942822"/>
-                  <a:pt x="172766" y="2359632"/>
-                </a:cubicBezTo>
-              </a:path>
-            </a:pathLst>
-          </a:custGeom>
-          <a:noFill/>
-          <a:ln>
-            <a:solidFill>
-              <a:schemeClr val="tx1"/>
-            </a:solidFill>
-            <a:tailEnd type="triangle"/>
-          </a:ln>
-        </p:spPr>
-        <p:style>
-          <a:lnRef idx="2">
-            <a:schemeClr val="accent1">
-              <a:shade val="50000"/>
-            </a:schemeClr>
-          </a:lnRef>
-          <a:fillRef idx="1">
-            <a:schemeClr val="accent1"/>
-          </a:fillRef>
-          <a:effectRef idx="0">
-            <a:schemeClr val="accent1"/>
-          </a:effectRef>
-          <a:fontRef idx="minor">
-            <a:schemeClr val="lt1"/>
-          </a:fontRef>
-        </p:style>
-        <p:txBody>
-          <a:bodyPr rtlCol="0" anchor="ctr"/>
-          <a:lstStyle/>
-          <a:p>
-            <a:pPr algn="ctr"/>
-            <a:endParaRPr lang="en-GB" dirty="0"/>
-          </a:p>
-        </p:txBody>
-      </p:sp>
-      <p:sp>
-        <p:nvSpPr>
           <p:cNvPr id="30" name="Oval 29">
             <a:extLst>
               <a:ext uri="{FF2B5EF4-FFF2-40B4-BE49-F238E27FC236}">
@@ -4599,181 +3995,6 @@
       </p:sp>
       <p:sp>
         <p:nvSpPr>
-          <p:cNvPr id="31" name="Freeform: Shape 30">
-            <a:extLst>
-              <a:ext uri="{FF2B5EF4-FFF2-40B4-BE49-F238E27FC236}">
-                <a16:creationId xmlns:a16="http://schemas.microsoft.com/office/drawing/2014/main" id="{7B4BF000-4D1C-4202-B22C-853C749707FE}"/>
-              </a:ext>
-            </a:extLst>
-          </p:cNvPr>
-          <p:cNvSpPr/>
-          <p:nvPr/>
-        </p:nvSpPr>
-        <p:spPr>
-          <a:xfrm>
-            <a:off x="4534984" y="1713337"/>
-            <a:ext cx="1755724" cy="1934202"/>
-          </a:xfrm>
-          <a:custGeom>
-            <a:avLst/>
-            <a:gdLst>
-              <a:gd name="connsiteX0" fmla="*/ 670854 w 761490"/>
-              <a:gd name="connsiteY0" fmla="*/ 2014071 h 2265684"/>
-              <a:gd name="connsiteX1" fmla="*/ 4810 w 761490"/>
-              <a:gd name="connsiteY1" fmla="*/ 196559 h 2265684"/>
-              <a:gd name="connsiteX2" fmla="*/ 388632 w 761490"/>
-              <a:gd name="connsiteY2" fmla="*/ 264293 h 2265684"/>
-              <a:gd name="connsiteX3" fmla="*/ 727299 w 761490"/>
-              <a:gd name="connsiteY3" fmla="*/ 2104382 h 2265684"/>
-              <a:gd name="connsiteX4" fmla="*/ 749877 w 761490"/>
-              <a:gd name="connsiteY4" fmla="*/ 2172115 h 2265684"/>
-              <a:gd name="connsiteX5" fmla="*/ 749877 w 761490"/>
-              <a:gd name="connsiteY5" fmla="*/ 2172115 h 2265684"/>
-              <a:gd name="connsiteX0" fmla="*/ 670854 w 1049914"/>
-              <a:gd name="connsiteY0" fmla="*/ 2014071 h 2264983"/>
-              <a:gd name="connsiteX1" fmla="*/ 4810 w 1049914"/>
-              <a:gd name="connsiteY1" fmla="*/ 196559 h 2264983"/>
-              <a:gd name="connsiteX2" fmla="*/ 388632 w 1049914"/>
-              <a:gd name="connsiteY2" fmla="*/ 264293 h 2264983"/>
-              <a:gd name="connsiteX3" fmla="*/ 727299 w 1049914"/>
-              <a:gd name="connsiteY3" fmla="*/ 2104382 h 2264983"/>
-              <a:gd name="connsiteX4" fmla="*/ 749877 w 1049914"/>
-              <a:gd name="connsiteY4" fmla="*/ 2172115 h 2264983"/>
-              <a:gd name="connsiteX5" fmla="*/ 1049914 w 1049914"/>
-              <a:gd name="connsiteY5" fmla="*/ 2264983 h 2264983"/>
-              <a:gd name="connsiteX0" fmla="*/ 670854 w 1049914"/>
-              <a:gd name="connsiteY0" fmla="*/ 2014071 h 2297793"/>
-              <a:gd name="connsiteX1" fmla="*/ 4810 w 1049914"/>
-              <a:gd name="connsiteY1" fmla="*/ 196559 h 2297793"/>
-              <a:gd name="connsiteX2" fmla="*/ 388632 w 1049914"/>
-              <a:gd name="connsiteY2" fmla="*/ 264293 h 2297793"/>
-              <a:gd name="connsiteX3" fmla="*/ 727299 w 1049914"/>
-              <a:gd name="connsiteY3" fmla="*/ 2104382 h 2297793"/>
-              <a:gd name="connsiteX4" fmla="*/ 1049914 w 1049914"/>
-              <a:gd name="connsiteY4" fmla="*/ 2264983 h 2297793"/>
-              <a:gd name="connsiteX0" fmla="*/ 671701 w 1050761"/>
-              <a:gd name="connsiteY0" fmla="*/ 2023282 h 2274194"/>
-              <a:gd name="connsiteX1" fmla="*/ 5657 w 1050761"/>
-              <a:gd name="connsiteY1" fmla="*/ 205770 h 2274194"/>
-              <a:gd name="connsiteX2" fmla="*/ 389479 w 1050761"/>
-              <a:gd name="connsiteY2" fmla="*/ 273504 h 2274194"/>
-              <a:gd name="connsiteX3" fmla="*/ 1050761 w 1050761"/>
-              <a:gd name="connsiteY3" fmla="*/ 2274194 h 2274194"/>
-              <a:gd name="connsiteX0" fmla="*/ 944674 w 1061797"/>
-              <a:gd name="connsiteY0" fmla="*/ 2310396 h 2310396"/>
-              <a:gd name="connsiteX1" fmla="*/ 16693 w 1061797"/>
-              <a:gd name="connsiteY1" fmla="*/ 223803 h 2310396"/>
-              <a:gd name="connsiteX2" fmla="*/ 400515 w 1061797"/>
-              <a:gd name="connsiteY2" fmla="*/ 291537 h 2310396"/>
-              <a:gd name="connsiteX3" fmla="*/ 1061797 w 1061797"/>
-              <a:gd name="connsiteY3" fmla="*/ 2292227 h 2310396"/>
-              <a:gd name="connsiteX0" fmla="*/ 1122231 w 5205851"/>
-              <a:gd name="connsiteY0" fmla="*/ 2446678 h 2446678"/>
-              <a:gd name="connsiteX1" fmla="*/ 194250 w 5205851"/>
-              <a:gd name="connsiteY1" fmla="*/ 360085 h 2446678"/>
-              <a:gd name="connsiteX2" fmla="*/ 5200666 w 5205851"/>
-              <a:gd name="connsiteY2" fmla="*/ 200608 h 2446678"/>
-              <a:gd name="connsiteX3" fmla="*/ 1239354 w 5205851"/>
-              <a:gd name="connsiteY3" fmla="*/ 2428509 h 2446678"/>
-              <a:gd name="connsiteX0" fmla="*/ 29613 w 4189391"/>
-              <a:gd name="connsiteY0" fmla="*/ 2419437 h 2419437"/>
-              <a:gd name="connsiteX1" fmla="*/ 2603075 w 4189391"/>
-              <a:gd name="connsiteY1" fmla="*/ 401008 h 2419437"/>
-              <a:gd name="connsiteX2" fmla="*/ 4108048 w 4189391"/>
-              <a:gd name="connsiteY2" fmla="*/ 173367 h 2419437"/>
-              <a:gd name="connsiteX3" fmla="*/ 146736 w 4189391"/>
-              <a:gd name="connsiteY3" fmla="*/ 2401268 h 2419437"/>
-              <a:gd name="connsiteX0" fmla="*/ 27594 w 3197338"/>
-              <a:gd name="connsiteY0" fmla="*/ 2296309 h 2296309"/>
-              <a:gd name="connsiteX1" fmla="*/ 2601056 w 3197338"/>
-              <a:gd name="connsiteY1" fmla="*/ 277880 h 2296309"/>
-              <a:gd name="connsiteX2" fmla="*/ 3010750 w 3197338"/>
-              <a:gd name="connsiteY2" fmla="*/ 232008 h 2296309"/>
-              <a:gd name="connsiteX3" fmla="*/ 144717 w 3197338"/>
-              <a:gd name="connsiteY3" fmla="*/ 2278140 h 2296309"/>
-              <a:gd name="connsiteX0" fmla="*/ 28534 w 3179380"/>
-              <a:gd name="connsiteY0" fmla="*/ 2306936 h 2306936"/>
-              <a:gd name="connsiteX1" fmla="*/ 2515754 w 3179380"/>
-              <a:gd name="connsiteY1" fmla="*/ 265786 h 2306936"/>
-              <a:gd name="connsiteX2" fmla="*/ 3011690 w 3179380"/>
-              <a:gd name="connsiteY2" fmla="*/ 242635 h 2306936"/>
-              <a:gd name="connsiteX3" fmla="*/ 145657 w 3179380"/>
-              <a:gd name="connsiteY3" fmla="*/ 2288767 h 2306936"/>
-            </a:gdLst>
-            <a:ahLst/>
-            <a:cxnLst>
-              <a:cxn ang="0">
-                <a:pos x="connsiteX0" y="connsiteY0"/>
-              </a:cxn>
-              <a:cxn ang="0">
-                <a:pos x="connsiteX1" y="connsiteY1"/>
-              </a:cxn>
-              <a:cxn ang="0">
-                <a:pos x="connsiteX2" y="connsiteY2"/>
-              </a:cxn>
-              <a:cxn ang="0">
-                <a:pos x="connsiteX3" y="connsiteY3"/>
-              </a:cxn>
-            </a:cxnLst>
-            <a:rect l="l" t="t" r="r" b="b"/>
-            <a:pathLst>
-              <a:path w="3179380" h="2306936">
-                <a:moveTo>
-                  <a:pt x="28534" y="2306936"/>
-                </a:moveTo>
-                <a:cubicBezTo>
-                  <a:pt x="-280970" y="1543995"/>
-                  <a:pt x="2018561" y="609836"/>
-                  <a:pt x="2515754" y="265786"/>
-                </a:cubicBezTo>
-                <a:cubicBezTo>
-                  <a:pt x="3012947" y="-78264"/>
-                  <a:pt x="3421080" y="-90742"/>
-                  <a:pt x="3011690" y="242635"/>
-                </a:cubicBezTo>
-                <a:cubicBezTo>
-                  <a:pt x="2602300" y="576012"/>
-                  <a:pt x="7890" y="1871957"/>
-                  <a:pt x="145657" y="2288767"/>
-                </a:cubicBezTo>
-              </a:path>
-            </a:pathLst>
-          </a:custGeom>
-          <a:noFill/>
-          <a:ln>
-            <a:solidFill>
-              <a:schemeClr val="tx1"/>
-            </a:solidFill>
-            <a:tailEnd type="triangle"/>
-          </a:ln>
-        </p:spPr>
-        <p:style>
-          <a:lnRef idx="2">
-            <a:schemeClr val="accent1">
-              <a:shade val="50000"/>
-            </a:schemeClr>
-          </a:lnRef>
-          <a:fillRef idx="1">
-            <a:schemeClr val="accent1"/>
-          </a:fillRef>
-          <a:effectRef idx="0">
-            <a:schemeClr val="accent1"/>
-          </a:effectRef>
-          <a:fontRef idx="minor">
-            <a:schemeClr val="lt1"/>
-          </a:fontRef>
-        </p:style>
-        <p:txBody>
-          <a:bodyPr rtlCol="0" anchor="ctr"/>
-          <a:lstStyle/>
-          <a:p>
-            <a:pPr algn="ctr"/>
-            <a:endParaRPr lang="en-GB" dirty="0"/>
-          </a:p>
-        </p:txBody>
-      </p:sp>
-      <p:sp>
-        <p:nvSpPr>
           <p:cNvPr id="32" name="Oval 31">
             <a:extLst>
               <a:ext uri="{FF2B5EF4-FFF2-40B4-BE49-F238E27FC236}">
@@ -4820,181 +4041,6 @@
       </p:sp>
       <p:sp>
         <p:nvSpPr>
-          <p:cNvPr id="33" name="Freeform: Shape 32">
-            <a:extLst>
-              <a:ext uri="{FF2B5EF4-FFF2-40B4-BE49-F238E27FC236}">
-                <a16:creationId xmlns:a16="http://schemas.microsoft.com/office/drawing/2014/main" id="{43DD07A7-A409-4776-93C0-5CC86C2CB75E}"/>
-              </a:ext>
-            </a:extLst>
-          </p:cNvPr>
-          <p:cNvSpPr/>
-          <p:nvPr/>
-        </p:nvSpPr>
-        <p:spPr>
-          <a:xfrm>
-            <a:off x="5327400" y="1740363"/>
-            <a:ext cx="2746533" cy="1897896"/>
-          </a:xfrm>
-          <a:custGeom>
-            <a:avLst/>
-            <a:gdLst>
-              <a:gd name="connsiteX0" fmla="*/ 670854 w 761490"/>
-              <a:gd name="connsiteY0" fmla="*/ 2014071 h 2265684"/>
-              <a:gd name="connsiteX1" fmla="*/ 4810 w 761490"/>
-              <a:gd name="connsiteY1" fmla="*/ 196559 h 2265684"/>
-              <a:gd name="connsiteX2" fmla="*/ 388632 w 761490"/>
-              <a:gd name="connsiteY2" fmla="*/ 264293 h 2265684"/>
-              <a:gd name="connsiteX3" fmla="*/ 727299 w 761490"/>
-              <a:gd name="connsiteY3" fmla="*/ 2104382 h 2265684"/>
-              <a:gd name="connsiteX4" fmla="*/ 749877 w 761490"/>
-              <a:gd name="connsiteY4" fmla="*/ 2172115 h 2265684"/>
-              <a:gd name="connsiteX5" fmla="*/ 749877 w 761490"/>
-              <a:gd name="connsiteY5" fmla="*/ 2172115 h 2265684"/>
-              <a:gd name="connsiteX0" fmla="*/ 670854 w 1049914"/>
-              <a:gd name="connsiteY0" fmla="*/ 2014071 h 2264983"/>
-              <a:gd name="connsiteX1" fmla="*/ 4810 w 1049914"/>
-              <a:gd name="connsiteY1" fmla="*/ 196559 h 2264983"/>
-              <a:gd name="connsiteX2" fmla="*/ 388632 w 1049914"/>
-              <a:gd name="connsiteY2" fmla="*/ 264293 h 2264983"/>
-              <a:gd name="connsiteX3" fmla="*/ 727299 w 1049914"/>
-              <a:gd name="connsiteY3" fmla="*/ 2104382 h 2264983"/>
-              <a:gd name="connsiteX4" fmla="*/ 749877 w 1049914"/>
-              <a:gd name="connsiteY4" fmla="*/ 2172115 h 2264983"/>
-              <a:gd name="connsiteX5" fmla="*/ 1049914 w 1049914"/>
-              <a:gd name="connsiteY5" fmla="*/ 2264983 h 2264983"/>
-              <a:gd name="connsiteX0" fmla="*/ 670854 w 1049914"/>
-              <a:gd name="connsiteY0" fmla="*/ 2014071 h 2297793"/>
-              <a:gd name="connsiteX1" fmla="*/ 4810 w 1049914"/>
-              <a:gd name="connsiteY1" fmla="*/ 196559 h 2297793"/>
-              <a:gd name="connsiteX2" fmla="*/ 388632 w 1049914"/>
-              <a:gd name="connsiteY2" fmla="*/ 264293 h 2297793"/>
-              <a:gd name="connsiteX3" fmla="*/ 727299 w 1049914"/>
-              <a:gd name="connsiteY3" fmla="*/ 2104382 h 2297793"/>
-              <a:gd name="connsiteX4" fmla="*/ 1049914 w 1049914"/>
-              <a:gd name="connsiteY4" fmla="*/ 2264983 h 2297793"/>
-              <a:gd name="connsiteX0" fmla="*/ 671701 w 1050761"/>
-              <a:gd name="connsiteY0" fmla="*/ 2023282 h 2274194"/>
-              <a:gd name="connsiteX1" fmla="*/ 5657 w 1050761"/>
-              <a:gd name="connsiteY1" fmla="*/ 205770 h 2274194"/>
-              <a:gd name="connsiteX2" fmla="*/ 389479 w 1050761"/>
-              <a:gd name="connsiteY2" fmla="*/ 273504 h 2274194"/>
-              <a:gd name="connsiteX3" fmla="*/ 1050761 w 1050761"/>
-              <a:gd name="connsiteY3" fmla="*/ 2274194 h 2274194"/>
-              <a:gd name="connsiteX0" fmla="*/ 944674 w 1061797"/>
-              <a:gd name="connsiteY0" fmla="*/ 2310396 h 2310396"/>
-              <a:gd name="connsiteX1" fmla="*/ 16693 w 1061797"/>
-              <a:gd name="connsiteY1" fmla="*/ 223803 h 2310396"/>
-              <a:gd name="connsiteX2" fmla="*/ 400515 w 1061797"/>
-              <a:gd name="connsiteY2" fmla="*/ 291537 h 2310396"/>
-              <a:gd name="connsiteX3" fmla="*/ 1061797 w 1061797"/>
-              <a:gd name="connsiteY3" fmla="*/ 2292227 h 2310396"/>
-              <a:gd name="connsiteX0" fmla="*/ 1253276 w 7301619"/>
-              <a:gd name="connsiteY0" fmla="*/ 2423492 h 2423492"/>
-              <a:gd name="connsiteX1" fmla="*/ 325295 w 7301619"/>
-              <a:gd name="connsiteY1" fmla="*/ 336899 h 2423492"/>
-              <a:gd name="connsiteX2" fmla="*/ 7298039 w 7301619"/>
-              <a:gd name="connsiteY2" fmla="*/ 211504 h 2423492"/>
-              <a:gd name="connsiteX3" fmla="*/ 1370399 w 7301619"/>
-              <a:gd name="connsiteY3" fmla="*/ 2405323 h 2423492"/>
-              <a:gd name="connsiteX0" fmla="*/ 19967 w 6217885"/>
-              <a:gd name="connsiteY0" fmla="*/ 2369258 h 2369258"/>
-              <a:gd name="connsiteX1" fmla="*/ 4094047 w 6217885"/>
-              <a:gd name="connsiteY1" fmla="*/ 418992 h 2369258"/>
-              <a:gd name="connsiteX2" fmla="*/ 6064730 w 6217885"/>
-              <a:gd name="connsiteY2" fmla="*/ 157270 h 2369258"/>
-              <a:gd name="connsiteX3" fmla="*/ 137090 w 6217885"/>
-              <a:gd name="connsiteY3" fmla="*/ 2351089 h 2369258"/>
-              <a:gd name="connsiteX0" fmla="*/ 18795 w 5003139"/>
-              <a:gd name="connsiteY0" fmla="*/ 2251753 h 2251753"/>
-              <a:gd name="connsiteX1" fmla="*/ 4092875 w 5003139"/>
-              <a:gd name="connsiteY1" fmla="*/ 301487 h 2251753"/>
-              <a:gd name="connsiteX2" fmla="*/ 4692305 w 5003139"/>
-              <a:gd name="connsiteY2" fmla="*/ 204494 h 2251753"/>
-              <a:gd name="connsiteX3" fmla="*/ 135918 w 5003139"/>
-              <a:gd name="connsiteY3" fmla="*/ 2233584 h 2251753"/>
-              <a:gd name="connsiteX0" fmla="*/ 19451 w 4973600"/>
-              <a:gd name="connsiteY0" fmla="*/ 2263634 h 2263634"/>
-              <a:gd name="connsiteX1" fmla="*/ 3964168 w 4973600"/>
-              <a:gd name="connsiteY1" fmla="*/ 284967 h 2263634"/>
-              <a:gd name="connsiteX2" fmla="*/ 4692961 w 4973600"/>
-              <a:gd name="connsiteY2" fmla="*/ 216375 h 2263634"/>
-              <a:gd name="connsiteX3" fmla="*/ 136574 w 4973600"/>
-              <a:gd name="connsiteY3" fmla="*/ 2245465 h 2263634"/>
-            </a:gdLst>
-            <a:ahLst/>
-            <a:cxnLst>
-              <a:cxn ang="0">
-                <a:pos x="connsiteX0" y="connsiteY0"/>
-              </a:cxn>
-              <a:cxn ang="0">
-                <a:pos x="connsiteX1" y="connsiteY1"/>
-              </a:cxn>
-              <a:cxn ang="0">
-                <a:pos x="connsiteX2" y="connsiteY2"/>
-              </a:cxn>
-              <a:cxn ang="0">
-                <a:pos x="connsiteX3" y="connsiteY3"/>
-              </a:cxn>
-            </a:cxnLst>
-            <a:rect l="l" t="t" r="r" b="b"/>
-            <a:pathLst>
-              <a:path w="4973600" h="2263634">
-                <a:moveTo>
-                  <a:pt x="19451" y="2263634"/>
-                </a:moveTo>
-                <a:cubicBezTo>
-                  <a:pt x="-290053" y="1500693"/>
-                  <a:pt x="3185250" y="626177"/>
-                  <a:pt x="3964168" y="284967"/>
-                </a:cubicBezTo>
-                <a:cubicBezTo>
-                  <a:pt x="4743086" y="-56243"/>
-                  <a:pt x="5352454" y="-105641"/>
-                  <a:pt x="4692961" y="216375"/>
-                </a:cubicBezTo>
-                <a:cubicBezTo>
-                  <a:pt x="4033468" y="538391"/>
-                  <a:pt x="-1193" y="1828655"/>
-                  <a:pt x="136574" y="2245465"/>
-                </a:cubicBezTo>
-              </a:path>
-            </a:pathLst>
-          </a:custGeom>
-          <a:noFill/>
-          <a:ln>
-            <a:solidFill>
-              <a:schemeClr val="tx1"/>
-            </a:solidFill>
-            <a:tailEnd type="triangle"/>
-          </a:ln>
-        </p:spPr>
-        <p:style>
-          <a:lnRef idx="2">
-            <a:schemeClr val="accent1">
-              <a:shade val="50000"/>
-            </a:schemeClr>
-          </a:lnRef>
-          <a:fillRef idx="1">
-            <a:schemeClr val="accent1"/>
-          </a:fillRef>
-          <a:effectRef idx="0">
-            <a:schemeClr val="accent1"/>
-          </a:effectRef>
-          <a:fontRef idx="minor">
-            <a:schemeClr val="lt1"/>
-          </a:fontRef>
-        </p:style>
-        <p:txBody>
-          <a:bodyPr rtlCol="0" anchor="ctr"/>
-          <a:lstStyle/>
-          <a:p>
-            <a:pPr algn="ctr"/>
-            <a:endParaRPr lang="en-GB" dirty="0"/>
-          </a:p>
-        </p:txBody>
-      </p:sp>
-      <p:sp>
-        <p:nvSpPr>
           <p:cNvPr id="34" name="Oval 33">
             <a:extLst>
               <a:ext uri="{FF2B5EF4-FFF2-40B4-BE49-F238E27FC236}">
@@ -5053,8 +4099,8 @@
         </p:nvSpPr>
         <p:spPr>
           <a:xfrm>
-            <a:off x="6131776" y="1732087"/>
-            <a:ext cx="3747758" cy="1963569"/>
+            <a:off x="6131776" y="1788480"/>
+            <a:ext cx="3513929" cy="1907176"/>
           </a:xfrm>
           <a:custGeom>
             <a:avLst/>
@@ -7789,186 +6835,6 @@
       </p:pic>
       <p:pic>
         <p:nvPicPr>
-          <p:cNvPr id="47" name="Picture 46">
-            <a:extLst>
-              <a:ext uri="{FF2B5EF4-FFF2-40B4-BE49-F238E27FC236}">
-                <a16:creationId xmlns:a16="http://schemas.microsoft.com/office/drawing/2014/main" id="{452F5F07-27A3-410C-BE3C-D1DBAABAB7B9}"/>
-              </a:ext>
-            </a:extLst>
-          </p:cNvPr>
-          <p:cNvPicPr>
-            <a:picLocks noChangeAspect="1"/>
-          </p:cNvPicPr>
-          <p:nvPr/>
-        </p:nvPicPr>
-        <p:blipFill>
-          <a:blip r:embed="rId2">
-            <a:extLst>
-              <a:ext uri="{28A0092B-C50C-407E-A947-70E740481C1C}">
-                <a14:useLocalDpi xmlns:a14="http://schemas.microsoft.com/office/drawing/2010/main" val="0"/>
-              </a:ext>
-            </a:extLst>
-          </a:blip>
-          <a:stretch>
-            <a:fillRect/>
-          </a:stretch>
-        </p:blipFill>
-        <p:spPr>
-          <a:xfrm>
-            <a:off x="2622021" y="1548803"/>
-            <a:ext cx="304800" cy="304800"/>
-          </a:xfrm>
-          <a:prstGeom prst="rect">
-            <a:avLst/>
-          </a:prstGeom>
-        </p:spPr>
-      </p:pic>
-      <p:pic>
-        <p:nvPicPr>
-          <p:cNvPr id="48" name="Picture 47">
-            <a:extLst>
-              <a:ext uri="{FF2B5EF4-FFF2-40B4-BE49-F238E27FC236}">
-                <a16:creationId xmlns:a16="http://schemas.microsoft.com/office/drawing/2014/main" id="{0037C354-AF0A-4741-A4A4-05172740B52B}"/>
-              </a:ext>
-            </a:extLst>
-          </p:cNvPr>
-          <p:cNvPicPr>
-            <a:picLocks noChangeAspect="1"/>
-          </p:cNvPicPr>
-          <p:nvPr/>
-        </p:nvPicPr>
-        <p:blipFill>
-          <a:blip r:embed="rId2">
-            <a:extLst>
-              <a:ext uri="{28A0092B-C50C-407E-A947-70E740481C1C}">
-                <a14:useLocalDpi xmlns:a14="http://schemas.microsoft.com/office/drawing/2010/main" val="0"/>
-              </a:ext>
-            </a:extLst>
-          </a:blip>
-          <a:stretch>
-            <a:fillRect/>
-          </a:stretch>
-        </p:blipFill>
-        <p:spPr>
-          <a:xfrm>
-            <a:off x="4365660" y="1548650"/>
-            <a:ext cx="304800" cy="304800"/>
-          </a:xfrm>
-          <a:prstGeom prst="rect">
-            <a:avLst/>
-          </a:prstGeom>
-        </p:spPr>
-      </p:pic>
-      <p:pic>
-        <p:nvPicPr>
-          <p:cNvPr id="49" name="Picture 48">
-            <a:extLst>
-              <a:ext uri="{FF2B5EF4-FFF2-40B4-BE49-F238E27FC236}">
-                <a16:creationId xmlns:a16="http://schemas.microsoft.com/office/drawing/2014/main" id="{3FC33965-ABFC-4234-83D2-35F4F04B9F41}"/>
-              </a:ext>
-            </a:extLst>
-          </p:cNvPr>
-          <p:cNvPicPr>
-            <a:picLocks noChangeAspect="1"/>
-          </p:cNvPicPr>
-          <p:nvPr/>
-        </p:nvPicPr>
-        <p:blipFill>
-          <a:blip r:embed="rId2">
-            <a:extLst>
-              <a:ext uri="{28A0092B-C50C-407E-A947-70E740481C1C}">
-                <a14:useLocalDpi xmlns:a14="http://schemas.microsoft.com/office/drawing/2010/main" val="0"/>
-              </a:ext>
-            </a:extLst>
-          </a:blip>
-          <a:stretch>
-            <a:fillRect/>
-          </a:stretch>
-        </p:blipFill>
-        <p:spPr>
-          <a:xfrm>
-            <a:off x="6096000" y="1548650"/>
-            <a:ext cx="304800" cy="304800"/>
-          </a:xfrm>
-          <a:prstGeom prst="rect">
-            <a:avLst/>
-          </a:prstGeom>
-        </p:spPr>
-      </p:pic>
-      <p:pic>
-        <p:nvPicPr>
-          <p:cNvPr id="50" name="Picture 49">
-            <a:extLst>
-              <a:ext uri="{FF2B5EF4-FFF2-40B4-BE49-F238E27FC236}">
-                <a16:creationId xmlns:a16="http://schemas.microsoft.com/office/drawing/2014/main" id="{2825104E-2123-430D-9AA0-83446F93827B}"/>
-              </a:ext>
-            </a:extLst>
-          </p:cNvPr>
-          <p:cNvPicPr>
-            <a:picLocks noChangeAspect="1"/>
-          </p:cNvPicPr>
-          <p:nvPr/>
-        </p:nvPicPr>
-        <p:blipFill>
-          <a:blip r:embed="rId2">
-            <a:extLst>
-              <a:ext uri="{28A0092B-C50C-407E-A947-70E740481C1C}">
-                <a14:useLocalDpi xmlns:a14="http://schemas.microsoft.com/office/drawing/2010/main" val="0"/>
-              </a:ext>
-            </a:extLst>
-          </a:blip>
-          <a:stretch>
-            <a:fillRect/>
-          </a:stretch>
-        </p:blipFill>
-        <p:spPr>
-          <a:xfrm>
-            <a:off x="7842692" y="1548650"/>
-            <a:ext cx="304800" cy="304800"/>
-          </a:xfrm>
-          <a:prstGeom prst="rect">
-            <a:avLst/>
-          </a:prstGeom>
-        </p:spPr>
-      </p:pic>
-      <p:pic>
-        <p:nvPicPr>
-          <p:cNvPr id="51" name="Picture 50">
-            <a:extLst>
-              <a:ext uri="{FF2B5EF4-FFF2-40B4-BE49-F238E27FC236}">
-                <a16:creationId xmlns:a16="http://schemas.microsoft.com/office/drawing/2014/main" id="{D9B115D6-666C-4E8B-AC94-E90DB8065EF4}"/>
-              </a:ext>
-            </a:extLst>
-          </p:cNvPr>
-          <p:cNvPicPr>
-            <a:picLocks noChangeAspect="1"/>
-          </p:cNvPicPr>
-          <p:nvPr/>
-        </p:nvPicPr>
-        <p:blipFill>
-          <a:blip r:embed="rId2">
-            <a:extLst>
-              <a:ext uri="{28A0092B-C50C-407E-A947-70E740481C1C}">
-                <a14:useLocalDpi xmlns:a14="http://schemas.microsoft.com/office/drawing/2010/main" val="0"/>
-              </a:ext>
-            </a:extLst>
-          </a:blip>
-          <a:stretch>
-            <a:fillRect/>
-          </a:stretch>
-        </p:blipFill>
-        <p:spPr>
-          <a:xfrm>
-            <a:off x="9722882" y="1548650"/>
-            <a:ext cx="304800" cy="304800"/>
-          </a:xfrm>
-          <a:prstGeom prst="rect">
-            <a:avLst/>
-          </a:prstGeom>
-        </p:spPr>
-      </p:pic>
-      <p:pic>
-        <p:nvPicPr>
           <p:cNvPr id="53" name="Picture 52">
             <a:extLst>
               <a:ext uri="{FF2B5EF4-FFF2-40B4-BE49-F238E27FC236}">
@@ -9305,7 +8171,7 @@
           <a:p>
             <a:r>
               <a:rPr lang="en-GB" sz="1100" dirty="0" err="1"/>
-              <a:t>AseTune</a:t>
+              <a:t>RsTune</a:t>
             </a:r>
             <a:endParaRPr lang="en-GB" sz="1100" dirty="0"/>
           </a:p>
@@ -9758,9 +8624,9 @@
           <p:nvPr/>
         </p:nvSpPr>
         <p:spPr>
-          <a:xfrm>
-            <a:off x="1368214" y="4342183"/>
-            <a:ext cx="1552778" cy="230832"/>
+          <a:xfrm rot="16200000">
+            <a:off x="921323" y="4584492"/>
+            <a:ext cx="1813689" cy="230832"/>
           </a:xfrm>
           <a:prstGeom prst="rect">
             <a:avLst/>
@@ -9775,7 +8641,11 @@
           <a:p>
             <a:r>
               <a:rPr lang="en-GB" sz="900" dirty="0"/>
-              <a:t>DEV_ASE-YYYY-MM-DD</a:t>
+              <a:t>PROD_1A_ASE-</a:t>
+            </a:r>
+            <a:r>
+              <a:rPr lang="en-GB" sz="900" i="1" dirty="0"/>
+              <a:t>YYYY-MM-DD</a:t>
             </a:r>
           </a:p>
         </p:txBody>
@@ -9810,11 +8680,1610 @@
           <a:p>
             <a:r>
               <a:rPr lang="en-GB" sz="1100" dirty="0" err="1"/>
-              <a:t>AseTune</a:t>
+              <a:t>DbxTune</a:t>
             </a:r>
             <a:r>
               <a:rPr lang="en-GB" sz="1100" dirty="0"/>
               <a:t> GUI</a:t>
+            </a:r>
+          </a:p>
+        </p:txBody>
+      </p:sp>
+      <p:sp>
+        <p:nvSpPr>
+          <p:cNvPr id="3" name="TextBox 2">
+            <a:extLst>
+              <a:ext uri="{FF2B5EF4-FFF2-40B4-BE49-F238E27FC236}">
+                <a16:creationId xmlns:a16="http://schemas.microsoft.com/office/drawing/2014/main" id="{D2C91A0E-2D80-46C6-9774-ADA10C44A962}"/>
+              </a:ext>
+            </a:extLst>
+          </p:cNvPr>
+          <p:cNvSpPr txBox="1"/>
+          <p:nvPr/>
+        </p:nvSpPr>
+        <p:spPr>
+          <a:xfrm>
+            <a:off x="3478792" y="3616397"/>
+            <a:ext cx="749270" cy="430887"/>
+          </a:xfrm>
+          <a:prstGeom prst="rect">
+            <a:avLst/>
+          </a:prstGeom>
+          <a:noFill/>
+        </p:spPr>
+        <p:txBody>
+          <a:bodyPr wrap="square" rtlCol="0">
+            <a:spAutoFit/>
+          </a:bodyPr>
+          <a:lstStyle/>
+          <a:p>
+            <a:r>
+              <a:rPr lang="en-GB" sz="1100" dirty="0" err="1"/>
+              <a:t>AseTune</a:t>
+            </a:r>
+            <a:endParaRPr lang="en-GB" sz="1100" dirty="0"/>
+          </a:p>
+          <a:p>
+            <a:pPr algn="r"/>
+            <a:r>
+              <a:rPr lang="en-GB" sz="1100" dirty="0" err="1"/>
+              <a:t>nogui</a:t>
+            </a:r>
+            <a:endParaRPr lang="en-GB" sz="1100" dirty="0"/>
+          </a:p>
+        </p:txBody>
+      </p:sp>
+      <p:sp>
+        <p:nvSpPr>
+          <p:cNvPr id="5" name="TextBox 4">
+            <a:extLst>
+              <a:ext uri="{FF2B5EF4-FFF2-40B4-BE49-F238E27FC236}">
+                <a16:creationId xmlns:a16="http://schemas.microsoft.com/office/drawing/2014/main" id="{7206FA7E-E9E1-4C89-BD75-1FC1C70F1640}"/>
+              </a:ext>
+            </a:extLst>
+          </p:cNvPr>
+          <p:cNvSpPr txBox="1"/>
+          <p:nvPr/>
+        </p:nvSpPr>
+        <p:spPr>
+          <a:xfrm>
+            <a:off x="4100378" y="3626465"/>
+            <a:ext cx="1002311" cy="430887"/>
+          </a:xfrm>
+          <a:prstGeom prst="rect">
+            <a:avLst/>
+          </a:prstGeom>
+          <a:noFill/>
+        </p:spPr>
+        <p:txBody>
+          <a:bodyPr wrap="square" rtlCol="0">
+            <a:spAutoFit/>
+          </a:bodyPr>
+          <a:lstStyle/>
+          <a:p>
+            <a:r>
+              <a:rPr lang="en-GB" sz="1100" dirty="0" err="1"/>
+              <a:t>SqlServerTune</a:t>
+            </a:r>
+            <a:r>
+              <a:rPr lang="en-GB" sz="1100" dirty="0"/>
+              <a:t> </a:t>
+            </a:r>
+            <a:r>
+              <a:rPr lang="en-GB" sz="1100" dirty="0" err="1"/>
+              <a:t>nogui</a:t>
+            </a:r>
+            <a:endParaRPr lang="en-GB" sz="1100" dirty="0"/>
+          </a:p>
+        </p:txBody>
+      </p:sp>
+      <p:sp>
+        <p:nvSpPr>
+          <p:cNvPr id="16" name="TextBox 15">
+            <a:extLst>
+              <a:ext uri="{FF2B5EF4-FFF2-40B4-BE49-F238E27FC236}">
+                <a16:creationId xmlns:a16="http://schemas.microsoft.com/office/drawing/2014/main" id="{2E22BA02-DCEC-476C-BF68-E58C7DF7BE54}"/>
+              </a:ext>
+            </a:extLst>
+          </p:cNvPr>
+          <p:cNvSpPr txBox="1"/>
+          <p:nvPr/>
+        </p:nvSpPr>
+        <p:spPr>
+          <a:xfrm>
+            <a:off x="4953385" y="3596877"/>
+            <a:ext cx="953680" cy="430887"/>
+          </a:xfrm>
+          <a:prstGeom prst="rect">
+            <a:avLst/>
+          </a:prstGeom>
+          <a:noFill/>
+        </p:spPr>
+        <p:txBody>
+          <a:bodyPr wrap="square" rtlCol="0">
+            <a:spAutoFit/>
+          </a:bodyPr>
+          <a:lstStyle/>
+          <a:p>
+            <a:r>
+              <a:rPr lang="en-GB" sz="1100" dirty="0" err="1"/>
+              <a:t>PostgresTune</a:t>
+            </a:r>
+            <a:endParaRPr lang="en-GB" sz="1100" dirty="0"/>
+          </a:p>
+          <a:p>
+            <a:pPr algn="r"/>
+            <a:r>
+              <a:rPr lang="en-GB" sz="1100" dirty="0" err="1"/>
+              <a:t>nogui</a:t>
+            </a:r>
+            <a:endParaRPr lang="en-GB" sz="1100" dirty="0"/>
+          </a:p>
+        </p:txBody>
+      </p:sp>
+      <p:pic>
+        <p:nvPicPr>
+          <p:cNvPr id="19" name="Picture 18">
+            <a:extLst>
+              <a:ext uri="{FF2B5EF4-FFF2-40B4-BE49-F238E27FC236}">
+                <a16:creationId xmlns:a16="http://schemas.microsoft.com/office/drawing/2014/main" id="{3D46C38A-848D-42DF-983B-E192BB53EDF7}"/>
+              </a:ext>
+            </a:extLst>
+          </p:cNvPr>
+          <p:cNvPicPr>
+            <a:picLocks noChangeAspect="1"/>
+          </p:cNvPicPr>
+          <p:nvPr/>
+        </p:nvPicPr>
+        <p:blipFill>
+          <a:blip r:embed="rId9"/>
+          <a:stretch>
+            <a:fillRect/>
+          </a:stretch>
+        </p:blipFill>
+        <p:spPr>
+          <a:xfrm>
+            <a:off x="2633593" y="1502401"/>
+            <a:ext cx="289834" cy="317437"/>
+          </a:xfrm>
+          <a:prstGeom prst="rect">
+            <a:avLst/>
+          </a:prstGeom>
+        </p:spPr>
+      </p:pic>
+      <p:sp>
+        <p:nvSpPr>
+          <p:cNvPr id="29" name="Freeform: Shape 28">
+            <a:extLst>
+              <a:ext uri="{FF2B5EF4-FFF2-40B4-BE49-F238E27FC236}">
+                <a16:creationId xmlns:a16="http://schemas.microsoft.com/office/drawing/2014/main" id="{7AE0613A-F9D4-4F2C-BB64-6886EA0EEF38}"/>
+              </a:ext>
+            </a:extLst>
+          </p:cNvPr>
+          <p:cNvSpPr/>
+          <p:nvPr/>
+        </p:nvSpPr>
+        <p:spPr>
+          <a:xfrm>
+            <a:off x="3732617" y="1736669"/>
+            <a:ext cx="471677" cy="1943506"/>
+          </a:xfrm>
+          <a:custGeom>
+            <a:avLst/>
+            <a:gdLst>
+              <a:gd name="connsiteX0" fmla="*/ 670854 w 761490"/>
+              <a:gd name="connsiteY0" fmla="*/ 2014071 h 2265684"/>
+              <a:gd name="connsiteX1" fmla="*/ 4810 w 761490"/>
+              <a:gd name="connsiteY1" fmla="*/ 196559 h 2265684"/>
+              <a:gd name="connsiteX2" fmla="*/ 388632 w 761490"/>
+              <a:gd name="connsiteY2" fmla="*/ 264293 h 2265684"/>
+              <a:gd name="connsiteX3" fmla="*/ 727299 w 761490"/>
+              <a:gd name="connsiteY3" fmla="*/ 2104382 h 2265684"/>
+              <a:gd name="connsiteX4" fmla="*/ 749877 w 761490"/>
+              <a:gd name="connsiteY4" fmla="*/ 2172115 h 2265684"/>
+              <a:gd name="connsiteX5" fmla="*/ 749877 w 761490"/>
+              <a:gd name="connsiteY5" fmla="*/ 2172115 h 2265684"/>
+              <a:gd name="connsiteX0" fmla="*/ 670854 w 1049914"/>
+              <a:gd name="connsiteY0" fmla="*/ 2014071 h 2264983"/>
+              <a:gd name="connsiteX1" fmla="*/ 4810 w 1049914"/>
+              <a:gd name="connsiteY1" fmla="*/ 196559 h 2264983"/>
+              <a:gd name="connsiteX2" fmla="*/ 388632 w 1049914"/>
+              <a:gd name="connsiteY2" fmla="*/ 264293 h 2264983"/>
+              <a:gd name="connsiteX3" fmla="*/ 727299 w 1049914"/>
+              <a:gd name="connsiteY3" fmla="*/ 2104382 h 2264983"/>
+              <a:gd name="connsiteX4" fmla="*/ 749877 w 1049914"/>
+              <a:gd name="connsiteY4" fmla="*/ 2172115 h 2264983"/>
+              <a:gd name="connsiteX5" fmla="*/ 1049914 w 1049914"/>
+              <a:gd name="connsiteY5" fmla="*/ 2264983 h 2264983"/>
+              <a:gd name="connsiteX0" fmla="*/ 670854 w 1049914"/>
+              <a:gd name="connsiteY0" fmla="*/ 2014071 h 2297793"/>
+              <a:gd name="connsiteX1" fmla="*/ 4810 w 1049914"/>
+              <a:gd name="connsiteY1" fmla="*/ 196559 h 2297793"/>
+              <a:gd name="connsiteX2" fmla="*/ 388632 w 1049914"/>
+              <a:gd name="connsiteY2" fmla="*/ 264293 h 2297793"/>
+              <a:gd name="connsiteX3" fmla="*/ 727299 w 1049914"/>
+              <a:gd name="connsiteY3" fmla="*/ 2104382 h 2297793"/>
+              <a:gd name="connsiteX4" fmla="*/ 1049914 w 1049914"/>
+              <a:gd name="connsiteY4" fmla="*/ 2264983 h 2297793"/>
+              <a:gd name="connsiteX0" fmla="*/ 671701 w 1050761"/>
+              <a:gd name="connsiteY0" fmla="*/ 2023282 h 2274194"/>
+              <a:gd name="connsiteX1" fmla="*/ 5657 w 1050761"/>
+              <a:gd name="connsiteY1" fmla="*/ 205770 h 2274194"/>
+              <a:gd name="connsiteX2" fmla="*/ 389479 w 1050761"/>
+              <a:gd name="connsiteY2" fmla="*/ 273504 h 2274194"/>
+              <a:gd name="connsiteX3" fmla="*/ 1050761 w 1050761"/>
+              <a:gd name="connsiteY3" fmla="*/ 2274194 h 2274194"/>
+              <a:gd name="connsiteX0" fmla="*/ 944674 w 1061797"/>
+              <a:gd name="connsiteY0" fmla="*/ 2310396 h 2310396"/>
+              <a:gd name="connsiteX1" fmla="*/ 16693 w 1061797"/>
+              <a:gd name="connsiteY1" fmla="*/ 223803 h 2310396"/>
+              <a:gd name="connsiteX2" fmla="*/ 400515 w 1061797"/>
+              <a:gd name="connsiteY2" fmla="*/ 291537 h 2310396"/>
+              <a:gd name="connsiteX3" fmla="*/ 1061797 w 1061797"/>
+              <a:gd name="connsiteY3" fmla="*/ 2292227 h 2310396"/>
+              <a:gd name="connsiteX0" fmla="*/ 1055376 w 4071261"/>
+              <a:gd name="connsiteY0" fmla="*/ 2503919 h 2503919"/>
+              <a:gd name="connsiteX1" fmla="*/ 127395 w 4071261"/>
+              <a:gd name="connsiteY1" fmla="*/ 417326 h 2503919"/>
+              <a:gd name="connsiteX2" fmla="*/ 4064405 w 4071261"/>
+              <a:gd name="connsiteY2" fmla="*/ 178326 h 2503919"/>
+              <a:gd name="connsiteX3" fmla="*/ 1172499 w 4071261"/>
+              <a:gd name="connsiteY3" fmla="*/ 2485750 h 2503919"/>
+              <a:gd name="connsiteX0" fmla="*/ 47742 w 3083438"/>
+              <a:gd name="connsiteY0" fmla="*/ 2487846 h 2487846"/>
+              <a:gd name="connsiteX1" fmla="*/ 1517300 w 3083438"/>
+              <a:gd name="connsiteY1" fmla="*/ 446695 h 2487846"/>
+              <a:gd name="connsiteX2" fmla="*/ 3056771 w 3083438"/>
+              <a:gd name="connsiteY2" fmla="*/ 162253 h 2487846"/>
+              <a:gd name="connsiteX3" fmla="*/ 164865 w 3083438"/>
+              <a:gd name="connsiteY3" fmla="*/ 2469677 h 2487846"/>
+              <a:gd name="connsiteX0" fmla="*/ 45511 w 2625329"/>
+              <a:gd name="connsiteY0" fmla="*/ 2403723 h 2403723"/>
+              <a:gd name="connsiteX1" fmla="*/ 1515069 w 2625329"/>
+              <a:gd name="connsiteY1" fmla="*/ 362572 h 2403723"/>
+              <a:gd name="connsiteX2" fmla="*/ 2588831 w 2625329"/>
+              <a:gd name="connsiteY2" fmla="*/ 191736 h 2403723"/>
+              <a:gd name="connsiteX3" fmla="*/ 162634 w 2625329"/>
+              <a:gd name="connsiteY3" fmla="*/ 2385554 h 2403723"/>
+              <a:gd name="connsiteX0" fmla="*/ 61327 w 2630883"/>
+              <a:gd name="connsiteY0" fmla="*/ 2418112 h 2418112"/>
+              <a:gd name="connsiteX1" fmla="*/ 1116922 w 2630883"/>
+              <a:gd name="connsiteY1" fmla="*/ 337200 h 2418112"/>
+              <a:gd name="connsiteX2" fmla="*/ 2604647 w 2630883"/>
+              <a:gd name="connsiteY2" fmla="*/ 206125 h 2418112"/>
+              <a:gd name="connsiteX3" fmla="*/ 178450 w 2630883"/>
+              <a:gd name="connsiteY3" fmla="*/ 2399943 h 2418112"/>
+              <a:gd name="connsiteX0" fmla="*/ 53184 w 1524370"/>
+              <a:gd name="connsiteY0" fmla="*/ 2377801 h 2377801"/>
+              <a:gd name="connsiteX1" fmla="*/ 1108779 w 1524370"/>
+              <a:gd name="connsiteY1" fmla="*/ 296889 h 2377801"/>
+              <a:gd name="connsiteX2" fmla="*/ 1449479 w 1524370"/>
+              <a:gd name="connsiteY2" fmla="*/ 228296 h 2377801"/>
+              <a:gd name="connsiteX3" fmla="*/ 170307 w 1524370"/>
+              <a:gd name="connsiteY3" fmla="*/ 2359632 h 2377801"/>
+              <a:gd name="connsiteX0" fmla="*/ 55643 w 1519252"/>
+              <a:gd name="connsiteY0" fmla="*/ 2377801 h 2377801"/>
+              <a:gd name="connsiteX1" fmla="*/ 1050867 w 1519252"/>
+              <a:gd name="connsiteY1" fmla="*/ 296889 h 2377801"/>
+              <a:gd name="connsiteX2" fmla="*/ 1451938 w 1519252"/>
+              <a:gd name="connsiteY2" fmla="*/ 228296 h 2377801"/>
+              <a:gd name="connsiteX3" fmla="*/ 172766 w 1519252"/>
+              <a:gd name="connsiteY3" fmla="*/ 2359632 h 2377801"/>
+            </a:gdLst>
+            <a:ahLst/>
+            <a:cxnLst>
+              <a:cxn ang="0">
+                <a:pos x="connsiteX0" y="connsiteY0"/>
+              </a:cxn>
+              <a:cxn ang="0">
+                <a:pos x="connsiteX1" y="connsiteY1"/>
+              </a:cxn>
+              <a:cxn ang="0">
+                <a:pos x="connsiteX2" y="connsiteY2"/>
+              </a:cxn>
+              <a:cxn ang="0">
+                <a:pos x="connsiteX3" y="connsiteY3"/>
+              </a:cxn>
+            </a:cxnLst>
+            <a:rect l="l" t="t" r="r" b="b"/>
+            <a:pathLst>
+              <a:path w="1519252" h="2377801">
+                <a:moveTo>
+                  <a:pt x="55643" y="2377801"/>
+                </a:moveTo>
+                <a:cubicBezTo>
+                  <a:pt x="-253861" y="1614860"/>
+                  <a:pt x="818151" y="655140"/>
+                  <a:pt x="1050867" y="296889"/>
+                </a:cubicBezTo>
+                <a:cubicBezTo>
+                  <a:pt x="1283583" y="-61362"/>
+                  <a:pt x="1677344" y="-108868"/>
+                  <a:pt x="1451938" y="228296"/>
+                </a:cubicBezTo>
+                <a:cubicBezTo>
+                  <a:pt x="1226532" y="565460"/>
+                  <a:pt x="34999" y="1942822"/>
+                  <a:pt x="172766" y="2359632"/>
+                </a:cubicBezTo>
+              </a:path>
+            </a:pathLst>
+          </a:custGeom>
+          <a:noFill/>
+          <a:ln>
+            <a:solidFill>
+              <a:schemeClr val="tx1"/>
+            </a:solidFill>
+            <a:tailEnd type="triangle"/>
+          </a:ln>
+        </p:spPr>
+        <p:style>
+          <a:lnRef idx="2">
+            <a:schemeClr val="accent1">
+              <a:shade val="50000"/>
+            </a:schemeClr>
+          </a:lnRef>
+          <a:fillRef idx="1">
+            <a:schemeClr val="accent1"/>
+          </a:fillRef>
+          <a:effectRef idx="0">
+            <a:schemeClr val="accent1"/>
+          </a:effectRef>
+          <a:fontRef idx="minor">
+            <a:schemeClr val="lt1"/>
+          </a:fontRef>
+        </p:style>
+        <p:txBody>
+          <a:bodyPr rtlCol="0" anchor="ctr"/>
+          <a:lstStyle/>
+          <a:p>
+            <a:pPr algn="ctr"/>
+            <a:endParaRPr lang="en-GB" dirty="0"/>
+          </a:p>
+        </p:txBody>
+      </p:sp>
+      <p:pic>
+        <p:nvPicPr>
+          <p:cNvPr id="22" name="Picture 21">
+            <a:extLst>
+              <a:ext uri="{FF2B5EF4-FFF2-40B4-BE49-F238E27FC236}">
+                <a16:creationId xmlns:a16="http://schemas.microsoft.com/office/drawing/2014/main" id="{50CA3F15-31C3-4785-9F72-4B9D5DC43188}"/>
+              </a:ext>
+            </a:extLst>
+          </p:cNvPr>
+          <p:cNvPicPr>
+            <a:picLocks noChangeAspect="1"/>
+          </p:cNvPicPr>
+          <p:nvPr/>
+        </p:nvPicPr>
+        <p:blipFill>
+          <a:blip r:embed="rId10"/>
+          <a:stretch>
+            <a:fillRect/>
+          </a:stretch>
+        </p:blipFill>
+        <p:spPr>
+          <a:xfrm>
+            <a:off x="6065919" y="1516690"/>
+            <a:ext cx="286801" cy="306220"/>
+          </a:xfrm>
+          <a:prstGeom prst="rect">
+            <a:avLst/>
+          </a:prstGeom>
+        </p:spPr>
+      </p:pic>
+      <p:sp>
+        <p:nvSpPr>
+          <p:cNvPr id="31" name="Freeform: Shape 30">
+            <a:extLst>
+              <a:ext uri="{FF2B5EF4-FFF2-40B4-BE49-F238E27FC236}">
+                <a16:creationId xmlns:a16="http://schemas.microsoft.com/office/drawing/2014/main" id="{7B4BF000-4D1C-4202-B22C-853C749707FE}"/>
+              </a:ext>
+            </a:extLst>
+          </p:cNvPr>
+          <p:cNvSpPr/>
+          <p:nvPr/>
+        </p:nvSpPr>
+        <p:spPr>
+          <a:xfrm>
+            <a:off x="4534984" y="1740363"/>
+            <a:ext cx="1535522" cy="1907176"/>
+          </a:xfrm>
+          <a:custGeom>
+            <a:avLst/>
+            <a:gdLst>
+              <a:gd name="connsiteX0" fmla="*/ 670854 w 761490"/>
+              <a:gd name="connsiteY0" fmla="*/ 2014071 h 2265684"/>
+              <a:gd name="connsiteX1" fmla="*/ 4810 w 761490"/>
+              <a:gd name="connsiteY1" fmla="*/ 196559 h 2265684"/>
+              <a:gd name="connsiteX2" fmla="*/ 388632 w 761490"/>
+              <a:gd name="connsiteY2" fmla="*/ 264293 h 2265684"/>
+              <a:gd name="connsiteX3" fmla="*/ 727299 w 761490"/>
+              <a:gd name="connsiteY3" fmla="*/ 2104382 h 2265684"/>
+              <a:gd name="connsiteX4" fmla="*/ 749877 w 761490"/>
+              <a:gd name="connsiteY4" fmla="*/ 2172115 h 2265684"/>
+              <a:gd name="connsiteX5" fmla="*/ 749877 w 761490"/>
+              <a:gd name="connsiteY5" fmla="*/ 2172115 h 2265684"/>
+              <a:gd name="connsiteX0" fmla="*/ 670854 w 1049914"/>
+              <a:gd name="connsiteY0" fmla="*/ 2014071 h 2264983"/>
+              <a:gd name="connsiteX1" fmla="*/ 4810 w 1049914"/>
+              <a:gd name="connsiteY1" fmla="*/ 196559 h 2264983"/>
+              <a:gd name="connsiteX2" fmla="*/ 388632 w 1049914"/>
+              <a:gd name="connsiteY2" fmla="*/ 264293 h 2264983"/>
+              <a:gd name="connsiteX3" fmla="*/ 727299 w 1049914"/>
+              <a:gd name="connsiteY3" fmla="*/ 2104382 h 2264983"/>
+              <a:gd name="connsiteX4" fmla="*/ 749877 w 1049914"/>
+              <a:gd name="connsiteY4" fmla="*/ 2172115 h 2264983"/>
+              <a:gd name="connsiteX5" fmla="*/ 1049914 w 1049914"/>
+              <a:gd name="connsiteY5" fmla="*/ 2264983 h 2264983"/>
+              <a:gd name="connsiteX0" fmla="*/ 670854 w 1049914"/>
+              <a:gd name="connsiteY0" fmla="*/ 2014071 h 2297793"/>
+              <a:gd name="connsiteX1" fmla="*/ 4810 w 1049914"/>
+              <a:gd name="connsiteY1" fmla="*/ 196559 h 2297793"/>
+              <a:gd name="connsiteX2" fmla="*/ 388632 w 1049914"/>
+              <a:gd name="connsiteY2" fmla="*/ 264293 h 2297793"/>
+              <a:gd name="connsiteX3" fmla="*/ 727299 w 1049914"/>
+              <a:gd name="connsiteY3" fmla="*/ 2104382 h 2297793"/>
+              <a:gd name="connsiteX4" fmla="*/ 1049914 w 1049914"/>
+              <a:gd name="connsiteY4" fmla="*/ 2264983 h 2297793"/>
+              <a:gd name="connsiteX0" fmla="*/ 671701 w 1050761"/>
+              <a:gd name="connsiteY0" fmla="*/ 2023282 h 2274194"/>
+              <a:gd name="connsiteX1" fmla="*/ 5657 w 1050761"/>
+              <a:gd name="connsiteY1" fmla="*/ 205770 h 2274194"/>
+              <a:gd name="connsiteX2" fmla="*/ 389479 w 1050761"/>
+              <a:gd name="connsiteY2" fmla="*/ 273504 h 2274194"/>
+              <a:gd name="connsiteX3" fmla="*/ 1050761 w 1050761"/>
+              <a:gd name="connsiteY3" fmla="*/ 2274194 h 2274194"/>
+              <a:gd name="connsiteX0" fmla="*/ 944674 w 1061797"/>
+              <a:gd name="connsiteY0" fmla="*/ 2310396 h 2310396"/>
+              <a:gd name="connsiteX1" fmla="*/ 16693 w 1061797"/>
+              <a:gd name="connsiteY1" fmla="*/ 223803 h 2310396"/>
+              <a:gd name="connsiteX2" fmla="*/ 400515 w 1061797"/>
+              <a:gd name="connsiteY2" fmla="*/ 291537 h 2310396"/>
+              <a:gd name="connsiteX3" fmla="*/ 1061797 w 1061797"/>
+              <a:gd name="connsiteY3" fmla="*/ 2292227 h 2310396"/>
+              <a:gd name="connsiteX0" fmla="*/ 1122231 w 5205851"/>
+              <a:gd name="connsiteY0" fmla="*/ 2446678 h 2446678"/>
+              <a:gd name="connsiteX1" fmla="*/ 194250 w 5205851"/>
+              <a:gd name="connsiteY1" fmla="*/ 360085 h 2446678"/>
+              <a:gd name="connsiteX2" fmla="*/ 5200666 w 5205851"/>
+              <a:gd name="connsiteY2" fmla="*/ 200608 h 2446678"/>
+              <a:gd name="connsiteX3" fmla="*/ 1239354 w 5205851"/>
+              <a:gd name="connsiteY3" fmla="*/ 2428509 h 2446678"/>
+              <a:gd name="connsiteX0" fmla="*/ 29613 w 4189391"/>
+              <a:gd name="connsiteY0" fmla="*/ 2419437 h 2419437"/>
+              <a:gd name="connsiteX1" fmla="*/ 2603075 w 4189391"/>
+              <a:gd name="connsiteY1" fmla="*/ 401008 h 2419437"/>
+              <a:gd name="connsiteX2" fmla="*/ 4108048 w 4189391"/>
+              <a:gd name="connsiteY2" fmla="*/ 173367 h 2419437"/>
+              <a:gd name="connsiteX3" fmla="*/ 146736 w 4189391"/>
+              <a:gd name="connsiteY3" fmla="*/ 2401268 h 2419437"/>
+              <a:gd name="connsiteX0" fmla="*/ 27594 w 3197338"/>
+              <a:gd name="connsiteY0" fmla="*/ 2296309 h 2296309"/>
+              <a:gd name="connsiteX1" fmla="*/ 2601056 w 3197338"/>
+              <a:gd name="connsiteY1" fmla="*/ 277880 h 2296309"/>
+              <a:gd name="connsiteX2" fmla="*/ 3010750 w 3197338"/>
+              <a:gd name="connsiteY2" fmla="*/ 232008 h 2296309"/>
+              <a:gd name="connsiteX3" fmla="*/ 144717 w 3197338"/>
+              <a:gd name="connsiteY3" fmla="*/ 2278140 h 2296309"/>
+              <a:gd name="connsiteX0" fmla="*/ 28534 w 3179380"/>
+              <a:gd name="connsiteY0" fmla="*/ 2306936 h 2306936"/>
+              <a:gd name="connsiteX1" fmla="*/ 2515754 w 3179380"/>
+              <a:gd name="connsiteY1" fmla="*/ 265786 h 2306936"/>
+              <a:gd name="connsiteX2" fmla="*/ 3011690 w 3179380"/>
+              <a:gd name="connsiteY2" fmla="*/ 242635 h 2306936"/>
+              <a:gd name="connsiteX3" fmla="*/ 145657 w 3179380"/>
+              <a:gd name="connsiteY3" fmla="*/ 2288767 h 2306936"/>
+            </a:gdLst>
+            <a:ahLst/>
+            <a:cxnLst>
+              <a:cxn ang="0">
+                <a:pos x="connsiteX0" y="connsiteY0"/>
+              </a:cxn>
+              <a:cxn ang="0">
+                <a:pos x="connsiteX1" y="connsiteY1"/>
+              </a:cxn>
+              <a:cxn ang="0">
+                <a:pos x="connsiteX2" y="connsiteY2"/>
+              </a:cxn>
+              <a:cxn ang="0">
+                <a:pos x="connsiteX3" y="connsiteY3"/>
+              </a:cxn>
+            </a:cxnLst>
+            <a:rect l="l" t="t" r="r" b="b"/>
+            <a:pathLst>
+              <a:path w="3179380" h="2306936">
+                <a:moveTo>
+                  <a:pt x="28534" y="2306936"/>
+                </a:moveTo>
+                <a:cubicBezTo>
+                  <a:pt x="-280970" y="1543995"/>
+                  <a:pt x="2018561" y="609836"/>
+                  <a:pt x="2515754" y="265786"/>
+                </a:cubicBezTo>
+                <a:cubicBezTo>
+                  <a:pt x="3012947" y="-78264"/>
+                  <a:pt x="3421080" y="-90742"/>
+                  <a:pt x="3011690" y="242635"/>
+                </a:cubicBezTo>
+                <a:cubicBezTo>
+                  <a:pt x="2602300" y="576012"/>
+                  <a:pt x="7890" y="1871957"/>
+                  <a:pt x="145657" y="2288767"/>
+                </a:cubicBezTo>
+              </a:path>
+            </a:pathLst>
+          </a:custGeom>
+          <a:noFill/>
+          <a:ln>
+            <a:solidFill>
+              <a:schemeClr val="tx1"/>
+            </a:solidFill>
+            <a:tailEnd type="triangle"/>
+          </a:ln>
+        </p:spPr>
+        <p:style>
+          <a:lnRef idx="2">
+            <a:schemeClr val="accent1">
+              <a:shade val="50000"/>
+            </a:schemeClr>
+          </a:lnRef>
+          <a:fillRef idx="1">
+            <a:schemeClr val="accent1"/>
+          </a:fillRef>
+          <a:effectRef idx="0">
+            <a:schemeClr val="accent1"/>
+          </a:effectRef>
+          <a:fontRef idx="minor">
+            <a:schemeClr val="lt1"/>
+          </a:fontRef>
+        </p:style>
+        <p:txBody>
+          <a:bodyPr rtlCol="0" anchor="ctr"/>
+          <a:lstStyle/>
+          <a:p>
+            <a:pPr algn="ctr"/>
+            <a:endParaRPr lang="en-GB" dirty="0"/>
+          </a:p>
+        </p:txBody>
+      </p:sp>
+      <p:pic>
+        <p:nvPicPr>
+          <p:cNvPr id="46" name="Picture 45">
+            <a:extLst>
+              <a:ext uri="{FF2B5EF4-FFF2-40B4-BE49-F238E27FC236}">
+                <a16:creationId xmlns:a16="http://schemas.microsoft.com/office/drawing/2014/main" id="{E1CD956A-C10F-4CC4-8347-B7D6411AFAEE}"/>
+              </a:ext>
+            </a:extLst>
+          </p:cNvPr>
+          <p:cNvPicPr>
+            <a:picLocks noChangeAspect="1"/>
+          </p:cNvPicPr>
+          <p:nvPr/>
+        </p:nvPicPr>
+        <p:blipFill>
+          <a:blip r:embed="rId11"/>
+          <a:stretch>
+            <a:fillRect/>
+          </a:stretch>
+        </p:blipFill>
+        <p:spPr>
+          <a:xfrm>
+            <a:off x="7891527" y="1529485"/>
+            <a:ext cx="282819" cy="294940"/>
+          </a:xfrm>
+          <a:prstGeom prst="rect">
+            <a:avLst/>
+          </a:prstGeom>
+        </p:spPr>
+      </p:pic>
+      <p:sp>
+        <p:nvSpPr>
+          <p:cNvPr id="33" name="Freeform: Shape 32">
+            <a:extLst>
+              <a:ext uri="{FF2B5EF4-FFF2-40B4-BE49-F238E27FC236}">
+                <a16:creationId xmlns:a16="http://schemas.microsoft.com/office/drawing/2014/main" id="{43DD07A7-A409-4776-93C0-5CC86C2CB75E}"/>
+              </a:ext>
+            </a:extLst>
+          </p:cNvPr>
+          <p:cNvSpPr/>
+          <p:nvPr/>
+        </p:nvSpPr>
+        <p:spPr>
+          <a:xfrm>
+            <a:off x="5327400" y="1736669"/>
+            <a:ext cx="2597221" cy="1901590"/>
+          </a:xfrm>
+          <a:custGeom>
+            <a:avLst/>
+            <a:gdLst>
+              <a:gd name="connsiteX0" fmla="*/ 670854 w 761490"/>
+              <a:gd name="connsiteY0" fmla="*/ 2014071 h 2265684"/>
+              <a:gd name="connsiteX1" fmla="*/ 4810 w 761490"/>
+              <a:gd name="connsiteY1" fmla="*/ 196559 h 2265684"/>
+              <a:gd name="connsiteX2" fmla="*/ 388632 w 761490"/>
+              <a:gd name="connsiteY2" fmla="*/ 264293 h 2265684"/>
+              <a:gd name="connsiteX3" fmla="*/ 727299 w 761490"/>
+              <a:gd name="connsiteY3" fmla="*/ 2104382 h 2265684"/>
+              <a:gd name="connsiteX4" fmla="*/ 749877 w 761490"/>
+              <a:gd name="connsiteY4" fmla="*/ 2172115 h 2265684"/>
+              <a:gd name="connsiteX5" fmla="*/ 749877 w 761490"/>
+              <a:gd name="connsiteY5" fmla="*/ 2172115 h 2265684"/>
+              <a:gd name="connsiteX0" fmla="*/ 670854 w 1049914"/>
+              <a:gd name="connsiteY0" fmla="*/ 2014071 h 2264983"/>
+              <a:gd name="connsiteX1" fmla="*/ 4810 w 1049914"/>
+              <a:gd name="connsiteY1" fmla="*/ 196559 h 2264983"/>
+              <a:gd name="connsiteX2" fmla="*/ 388632 w 1049914"/>
+              <a:gd name="connsiteY2" fmla="*/ 264293 h 2264983"/>
+              <a:gd name="connsiteX3" fmla="*/ 727299 w 1049914"/>
+              <a:gd name="connsiteY3" fmla="*/ 2104382 h 2264983"/>
+              <a:gd name="connsiteX4" fmla="*/ 749877 w 1049914"/>
+              <a:gd name="connsiteY4" fmla="*/ 2172115 h 2264983"/>
+              <a:gd name="connsiteX5" fmla="*/ 1049914 w 1049914"/>
+              <a:gd name="connsiteY5" fmla="*/ 2264983 h 2264983"/>
+              <a:gd name="connsiteX0" fmla="*/ 670854 w 1049914"/>
+              <a:gd name="connsiteY0" fmla="*/ 2014071 h 2297793"/>
+              <a:gd name="connsiteX1" fmla="*/ 4810 w 1049914"/>
+              <a:gd name="connsiteY1" fmla="*/ 196559 h 2297793"/>
+              <a:gd name="connsiteX2" fmla="*/ 388632 w 1049914"/>
+              <a:gd name="connsiteY2" fmla="*/ 264293 h 2297793"/>
+              <a:gd name="connsiteX3" fmla="*/ 727299 w 1049914"/>
+              <a:gd name="connsiteY3" fmla="*/ 2104382 h 2297793"/>
+              <a:gd name="connsiteX4" fmla="*/ 1049914 w 1049914"/>
+              <a:gd name="connsiteY4" fmla="*/ 2264983 h 2297793"/>
+              <a:gd name="connsiteX0" fmla="*/ 671701 w 1050761"/>
+              <a:gd name="connsiteY0" fmla="*/ 2023282 h 2274194"/>
+              <a:gd name="connsiteX1" fmla="*/ 5657 w 1050761"/>
+              <a:gd name="connsiteY1" fmla="*/ 205770 h 2274194"/>
+              <a:gd name="connsiteX2" fmla="*/ 389479 w 1050761"/>
+              <a:gd name="connsiteY2" fmla="*/ 273504 h 2274194"/>
+              <a:gd name="connsiteX3" fmla="*/ 1050761 w 1050761"/>
+              <a:gd name="connsiteY3" fmla="*/ 2274194 h 2274194"/>
+              <a:gd name="connsiteX0" fmla="*/ 944674 w 1061797"/>
+              <a:gd name="connsiteY0" fmla="*/ 2310396 h 2310396"/>
+              <a:gd name="connsiteX1" fmla="*/ 16693 w 1061797"/>
+              <a:gd name="connsiteY1" fmla="*/ 223803 h 2310396"/>
+              <a:gd name="connsiteX2" fmla="*/ 400515 w 1061797"/>
+              <a:gd name="connsiteY2" fmla="*/ 291537 h 2310396"/>
+              <a:gd name="connsiteX3" fmla="*/ 1061797 w 1061797"/>
+              <a:gd name="connsiteY3" fmla="*/ 2292227 h 2310396"/>
+              <a:gd name="connsiteX0" fmla="*/ 1253276 w 7301619"/>
+              <a:gd name="connsiteY0" fmla="*/ 2423492 h 2423492"/>
+              <a:gd name="connsiteX1" fmla="*/ 325295 w 7301619"/>
+              <a:gd name="connsiteY1" fmla="*/ 336899 h 2423492"/>
+              <a:gd name="connsiteX2" fmla="*/ 7298039 w 7301619"/>
+              <a:gd name="connsiteY2" fmla="*/ 211504 h 2423492"/>
+              <a:gd name="connsiteX3" fmla="*/ 1370399 w 7301619"/>
+              <a:gd name="connsiteY3" fmla="*/ 2405323 h 2423492"/>
+              <a:gd name="connsiteX0" fmla="*/ 19967 w 6217885"/>
+              <a:gd name="connsiteY0" fmla="*/ 2369258 h 2369258"/>
+              <a:gd name="connsiteX1" fmla="*/ 4094047 w 6217885"/>
+              <a:gd name="connsiteY1" fmla="*/ 418992 h 2369258"/>
+              <a:gd name="connsiteX2" fmla="*/ 6064730 w 6217885"/>
+              <a:gd name="connsiteY2" fmla="*/ 157270 h 2369258"/>
+              <a:gd name="connsiteX3" fmla="*/ 137090 w 6217885"/>
+              <a:gd name="connsiteY3" fmla="*/ 2351089 h 2369258"/>
+              <a:gd name="connsiteX0" fmla="*/ 18795 w 5003139"/>
+              <a:gd name="connsiteY0" fmla="*/ 2251753 h 2251753"/>
+              <a:gd name="connsiteX1" fmla="*/ 4092875 w 5003139"/>
+              <a:gd name="connsiteY1" fmla="*/ 301487 h 2251753"/>
+              <a:gd name="connsiteX2" fmla="*/ 4692305 w 5003139"/>
+              <a:gd name="connsiteY2" fmla="*/ 204494 h 2251753"/>
+              <a:gd name="connsiteX3" fmla="*/ 135918 w 5003139"/>
+              <a:gd name="connsiteY3" fmla="*/ 2233584 h 2251753"/>
+              <a:gd name="connsiteX0" fmla="*/ 19451 w 4973600"/>
+              <a:gd name="connsiteY0" fmla="*/ 2263634 h 2263634"/>
+              <a:gd name="connsiteX1" fmla="*/ 3964168 w 4973600"/>
+              <a:gd name="connsiteY1" fmla="*/ 284967 h 2263634"/>
+              <a:gd name="connsiteX2" fmla="*/ 4692961 w 4973600"/>
+              <a:gd name="connsiteY2" fmla="*/ 216375 h 2263634"/>
+              <a:gd name="connsiteX3" fmla="*/ 136574 w 4973600"/>
+              <a:gd name="connsiteY3" fmla="*/ 2245465 h 2263634"/>
+            </a:gdLst>
+            <a:ahLst/>
+            <a:cxnLst>
+              <a:cxn ang="0">
+                <a:pos x="connsiteX0" y="connsiteY0"/>
+              </a:cxn>
+              <a:cxn ang="0">
+                <a:pos x="connsiteX1" y="connsiteY1"/>
+              </a:cxn>
+              <a:cxn ang="0">
+                <a:pos x="connsiteX2" y="connsiteY2"/>
+              </a:cxn>
+              <a:cxn ang="0">
+                <a:pos x="connsiteX3" y="connsiteY3"/>
+              </a:cxn>
+            </a:cxnLst>
+            <a:rect l="l" t="t" r="r" b="b"/>
+            <a:pathLst>
+              <a:path w="4973600" h="2263634">
+                <a:moveTo>
+                  <a:pt x="19451" y="2263634"/>
+                </a:moveTo>
+                <a:cubicBezTo>
+                  <a:pt x="-290053" y="1500693"/>
+                  <a:pt x="3185250" y="626177"/>
+                  <a:pt x="3964168" y="284967"/>
+                </a:cubicBezTo>
+                <a:cubicBezTo>
+                  <a:pt x="4743086" y="-56243"/>
+                  <a:pt x="5352454" y="-105641"/>
+                  <a:pt x="4692961" y="216375"/>
+                </a:cubicBezTo>
+                <a:cubicBezTo>
+                  <a:pt x="4033468" y="538391"/>
+                  <a:pt x="-1193" y="1828655"/>
+                  <a:pt x="136574" y="2245465"/>
+                </a:cubicBezTo>
+              </a:path>
+            </a:pathLst>
+          </a:custGeom>
+          <a:noFill/>
+          <a:ln>
+            <a:solidFill>
+              <a:schemeClr val="tx1"/>
+            </a:solidFill>
+            <a:tailEnd type="triangle"/>
+          </a:ln>
+        </p:spPr>
+        <p:style>
+          <a:lnRef idx="2">
+            <a:schemeClr val="accent1">
+              <a:shade val="50000"/>
+            </a:schemeClr>
+          </a:lnRef>
+          <a:fillRef idx="1">
+            <a:schemeClr val="accent1"/>
+          </a:fillRef>
+          <a:effectRef idx="0">
+            <a:schemeClr val="accent1"/>
+          </a:effectRef>
+          <a:fontRef idx="minor">
+            <a:schemeClr val="lt1"/>
+          </a:fontRef>
+        </p:style>
+        <p:txBody>
+          <a:bodyPr rtlCol="0" anchor="ctr"/>
+          <a:lstStyle/>
+          <a:p>
+            <a:pPr algn="ctr"/>
+            <a:endParaRPr lang="en-GB" dirty="0"/>
+          </a:p>
+        </p:txBody>
+      </p:sp>
+      <p:pic>
+        <p:nvPicPr>
+          <p:cNvPr id="2050" name="Picture 2" descr="Mysql Icon of Flat style - Available in SVG, PNG, EPS, AI &amp; Icon fonts">
+            <a:extLst>
+              <a:ext uri="{FF2B5EF4-FFF2-40B4-BE49-F238E27FC236}">
+                <a16:creationId xmlns:a16="http://schemas.microsoft.com/office/drawing/2014/main" id="{1F1A253A-CB57-40E9-92DF-9D5B42DDBD5D}"/>
+              </a:ext>
+            </a:extLst>
+          </p:cNvPr>
+          <p:cNvPicPr>
+            <a:picLocks noChangeAspect="1" noChangeArrowheads="1"/>
+          </p:cNvPicPr>
+          <p:nvPr/>
+        </p:nvPicPr>
+        <p:blipFill>
+          <a:blip r:embed="rId12">
+            <a:extLst>
+              <a:ext uri="{28A0092B-C50C-407E-A947-70E740481C1C}">
+                <a14:useLocalDpi xmlns:a14="http://schemas.microsoft.com/office/drawing/2010/main" val="0"/>
+              </a:ext>
+            </a:extLst>
+          </a:blip>
+          <a:srcRect/>
+          <a:stretch>
+            <a:fillRect/>
+          </a:stretch>
+        </p:blipFill>
+        <p:spPr bwMode="auto">
+          <a:xfrm>
+            <a:off x="9620956" y="1414988"/>
+            <a:ext cx="510983" cy="510983"/>
+          </a:xfrm>
+          <a:prstGeom prst="rect">
+            <a:avLst/>
+          </a:prstGeom>
+          <a:noFill/>
+          <a:extLst>
+            <a:ext uri="{909E8E84-426E-40DD-AFC4-6F175D3DCCD1}">
+              <a14:hiddenFill xmlns:a14="http://schemas.microsoft.com/office/drawing/2010/main">
+                <a:solidFill>
+                  <a:srgbClr val="FFFFFF"/>
+                </a:solidFill>
+              </a14:hiddenFill>
+            </a:ext>
+          </a:extLst>
+        </p:spPr>
+      </p:pic>
+      <p:sp>
+        <p:nvSpPr>
+          <p:cNvPr id="18" name="TextBox 17">
+            <a:extLst>
+              <a:ext uri="{FF2B5EF4-FFF2-40B4-BE49-F238E27FC236}">
+                <a16:creationId xmlns:a16="http://schemas.microsoft.com/office/drawing/2014/main" id="{90BF4A41-F3D3-4269-96C5-C62B82238987}"/>
+              </a:ext>
+            </a:extLst>
+          </p:cNvPr>
+          <p:cNvSpPr txBox="1"/>
+          <p:nvPr/>
+        </p:nvSpPr>
+        <p:spPr>
+          <a:xfrm>
+            <a:off x="5746225" y="3609171"/>
+            <a:ext cx="848326" cy="430887"/>
+          </a:xfrm>
+          <a:prstGeom prst="rect">
+            <a:avLst/>
+          </a:prstGeom>
+          <a:noFill/>
+        </p:spPr>
+        <p:txBody>
+          <a:bodyPr wrap="square" rtlCol="0">
+            <a:spAutoFit/>
+          </a:bodyPr>
+          <a:lstStyle/>
+          <a:p>
+            <a:r>
+              <a:rPr lang="en-GB" sz="1100" dirty="0" err="1"/>
+              <a:t>MySqlTune</a:t>
+            </a:r>
+            <a:br>
+              <a:rPr lang="en-GB" sz="1100" dirty="0"/>
+            </a:br>
+            <a:r>
+              <a:rPr lang="en-GB" sz="1100" dirty="0"/>
+              <a:t> </a:t>
+            </a:r>
+            <a:r>
+              <a:rPr lang="en-GB" sz="1100" dirty="0" err="1"/>
+              <a:t>nogui</a:t>
+            </a:r>
+            <a:endParaRPr lang="en-GB" sz="1100" dirty="0"/>
+          </a:p>
+        </p:txBody>
+      </p:sp>
+      <p:sp>
+        <p:nvSpPr>
+          <p:cNvPr id="20" name="TextBox 19">
+            <a:extLst>
+              <a:ext uri="{FF2B5EF4-FFF2-40B4-BE49-F238E27FC236}">
+                <a16:creationId xmlns:a16="http://schemas.microsoft.com/office/drawing/2014/main" id="{58435253-5303-4289-BE36-494D2552A165}"/>
+              </a:ext>
+            </a:extLst>
+          </p:cNvPr>
+          <p:cNvSpPr txBox="1"/>
+          <p:nvPr/>
+        </p:nvSpPr>
+        <p:spPr>
+          <a:xfrm>
+            <a:off x="5676622" y="4296683"/>
+            <a:ext cx="1275581" cy="230832"/>
+          </a:xfrm>
+          <a:prstGeom prst="rect">
+            <a:avLst/>
+          </a:prstGeom>
+          <a:noFill/>
+        </p:spPr>
+        <p:txBody>
+          <a:bodyPr wrap="square" rtlCol="0">
+            <a:spAutoFit/>
+          </a:bodyPr>
+          <a:lstStyle/>
+          <a:p>
+            <a:r>
+              <a:rPr lang="en-GB" sz="900" i="1" dirty="0" err="1"/>
+              <a:t>srvname</a:t>
+            </a:r>
+            <a:r>
+              <a:rPr lang="en-GB" sz="900" i="1" dirty="0"/>
+              <a:t>-YYYY-MM-DD</a:t>
+            </a:r>
+          </a:p>
+        </p:txBody>
+      </p:sp>
+      <p:pic>
+        <p:nvPicPr>
+          <p:cNvPr id="3074" name="Picture 2" descr="SAP Sybase REST API (OData) Access - DataDirect Connectivity">
+            <a:extLst>
+              <a:ext uri="{FF2B5EF4-FFF2-40B4-BE49-F238E27FC236}">
+                <a16:creationId xmlns:a16="http://schemas.microsoft.com/office/drawing/2014/main" id="{C56AD2CD-1313-4821-9091-7D3679DDB8D8}"/>
+              </a:ext>
+            </a:extLst>
+          </p:cNvPr>
+          <p:cNvPicPr>
+            <a:picLocks noChangeAspect="1" noChangeArrowheads="1"/>
+          </p:cNvPicPr>
+          <p:nvPr/>
+        </p:nvPicPr>
+        <p:blipFill>
+          <a:blip r:embed="rId13">
+            <a:extLst>
+              <a:ext uri="{28A0092B-C50C-407E-A947-70E740481C1C}">
+                <a14:useLocalDpi xmlns:a14="http://schemas.microsoft.com/office/drawing/2010/main" val="0"/>
+              </a:ext>
+            </a:extLst>
+          </a:blip>
+          <a:srcRect/>
+          <a:stretch>
+            <a:fillRect/>
+          </a:stretch>
+        </p:blipFill>
+        <p:spPr bwMode="auto">
+          <a:xfrm>
+            <a:off x="1071345" y="1580480"/>
+            <a:ext cx="964937" cy="357384"/>
+          </a:xfrm>
+          <a:prstGeom prst="rect">
+            <a:avLst/>
+          </a:prstGeom>
+          <a:noFill/>
+          <a:extLst>
+            <a:ext uri="{909E8E84-426E-40DD-AFC4-6F175D3DCCD1}">
+              <a14:hiddenFill xmlns:a14="http://schemas.microsoft.com/office/drawing/2010/main">
+                <a:solidFill>
+                  <a:srgbClr val="FFFFFF"/>
+                </a:solidFill>
+              </a14:hiddenFill>
+            </a:ext>
+          </a:extLst>
+        </p:spPr>
+      </p:pic>
+      <p:sp>
+        <p:nvSpPr>
+          <p:cNvPr id="25" name="Freeform: Shape 24">
+            <a:extLst>
+              <a:ext uri="{FF2B5EF4-FFF2-40B4-BE49-F238E27FC236}">
+                <a16:creationId xmlns:a16="http://schemas.microsoft.com/office/drawing/2014/main" id="{3CF5D850-2936-407E-A383-59C6FF4A1255}"/>
+              </a:ext>
+            </a:extLst>
+          </p:cNvPr>
+          <p:cNvSpPr/>
+          <p:nvPr/>
+        </p:nvSpPr>
+        <p:spPr>
+          <a:xfrm>
+            <a:off x="1070116" y="1736669"/>
+            <a:ext cx="1183106" cy="1943508"/>
+          </a:xfrm>
+          <a:custGeom>
+            <a:avLst/>
+            <a:gdLst>
+              <a:gd name="connsiteX0" fmla="*/ 670854 w 761490"/>
+              <a:gd name="connsiteY0" fmla="*/ 2014071 h 2265684"/>
+              <a:gd name="connsiteX1" fmla="*/ 4810 w 761490"/>
+              <a:gd name="connsiteY1" fmla="*/ 196559 h 2265684"/>
+              <a:gd name="connsiteX2" fmla="*/ 388632 w 761490"/>
+              <a:gd name="connsiteY2" fmla="*/ 264293 h 2265684"/>
+              <a:gd name="connsiteX3" fmla="*/ 727299 w 761490"/>
+              <a:gd name="connsiteY3" fmla="*/ 2104382 h 2265684"/>
+              <a:gd name="connsiteX4" fmla="*/ 749877 w 761490"/>
+              <a:gd name="connsiteY4" fmla="*/ 2172115 h 2265684"/>
+              <a:gd name="connsiteX5" fmla="*/ 749877 w 761490"/>
+              <a:gd name="connsiteY5" fmla="*/ 2172115 h 2265684"/>
+              <a:gd name="connsiteX0" fmla="*/ 670854 w 1049914"/>
+              <a:gd name="connsiteY0" fmla="*/ 2014071 h 2264983"/>
+              <a:gd name="connsiteX1" fmla="*/ 4810 w 1049914"/>
+              <a:gd name="connsiteY1" fmla="*/ 196559 h 2264983"/>
+              <a:gd name="connsiteX2" fmla="*/ 388632 w 1049914"/>
+              <a:gd name="connsiteY2" fmla="*/ 264293 h 2264983"/>
+              <a:gd name="connsiteX3" fmla="*/ 727299 w 1049914"/>
+              <a:gd name="connsiteY3" fmla="*/ 2104382 h 2264983"/>
+              <a:gd name="connsiteX4" fmla="*/ 749877 w 1049914"/>
+              <a:gd name="connsiteY4" fmla="*/ 2172115 h 2264983"/>
+              <a:gd name="connsiteX5" fmla="*/ 1049914 w 1049914"/>
+              <a:gd name="connsiteY5" fmla="*/ 2264983 h 2264983"/>
+              <a:gd name="connsiteX0" fmla="*/ 670854 w 1049914"/>
+              <a:gd name="connsiteY0" fmla="*/ 2014071 h 2297793"/>
+              <a:gd name="connsiteX1" fmla="*/ 4810 w 1049914"/>
+              <a:gd name="connsiteY1" fmla="*/ 196559 h 2297793"/>
+              <a:gd name="connsiteX2" fmla="*/ 388632 w 1049914"/>
+              <a:gd name="connsiteY2" fmla="*/ 264293 h 2297793"/>
+              <a:gd name="connsiteX3" fmla="*/ 727299 w 1049914"/>
+              <a:gd name="connsiteY3" fmla="*/ 2104382 h 2297793"/>
+              <a:gd name="connsiteX4" fmla="*/ 1049914 w 1049914"/>
+              <a:gd name="connsiteY4" fmla="*/ 2264983 h 2297793"/>
+              <a:gd name="connsiteX0" fmla="*/ 671701 w 1050761"/>
+              <a:gd name="connsiteY0" fmla="*/ 2023282 h 2274194"/>
+              <a:gd name="connsiteX1" fmla="*/ 5657 w 1050761"/>
+              <a:gd name="connsiteY1" fmla="*/ 205770 h 2274194"/>
+              <a:gd name="connsiteX2" fmla="*/ 389479 w 1050761"/>
+              <a:gd name="connsiteY2" fmla="*/ 273504 h 2274194"/>
+              <a:gd name="connsiteX3" fmla="*/ 1050761 w 1050761"/>
+              <a:gd name="connsiteY3" fmla="*/ 2274194 h 2274194"/>
+              <a:gd name="connsiteX0" fmla="*/ 944674 w 1061797"/>
+              <a:gd name="connsiteY0" fmla="*/ 2310396 h 2310396"/>
+              <a:gd name="connsiteX1" fmla="*/ 16693 w 1061797"/>
+              <a:gd name="connsiteY1" fmla="*/ 223803 h 2310396"/>
+              <a:gd name="connsiteX2" fmla="*/ 400515 w 1061797"/>
+              <a:gd name="connsiteY2" fmla="*/ 291537 h 2310396"/>
+              <a:gd name="connsiteX3" fmla="*/ 1061797 w 1061797"/>
+              <a:gd name="connsiteY3" fmla="*/ 2292227 h 2310396"/>
+              <a:gd name="connsiteX0" fmla="*/ 940449 w 1057572"/>
+              <a:gd name="connsiteY0" fmla="*/ 2529651 h 2529651"/>
+              <a:gd name="connsiteX1" fmla="*/ 12468 w 1057572"/>
+              <a:gd name="connsiteY1" fmla="*/ 443058 h 2529651"/>
+              <a:gd name="connsiteX2" fmla="*/ 448035 w 1057572"/>
+              <a:gd name="connsiteY2" fmla="*/ 169976 h 2529651"/>
+              <a:gd name="connsiteX3" fmla="*/ 1057572 w 1057572"/>
+              <a:gd name="connsiteY3" fmla="*/ 2511482 h 2529651"/>
+              <a:gd name="connsiteX0" fmla="*/ 957274 w 1074397"/>
+              <a:gd name="connsiteY0" fmla="*/ 2589220 h 2589220"/>
+              <a:gd name="connsiteX1" fmla="*/ 12044 w 1074397"/>
+              <a:gd name="connsiteY1" fmla="*/ 354940 h 2589220"/>
+              <a:gd name="connsiteX2" fmla="*/ 464860 w 1074397"/>
+              <a:gd name="connsiteY2" fmla="*/ 229545 h 2589220"/>
+              <a:gd name="connsiteX3" fmla="*/ 1074397 w 1074397"/>
+              <a:gd name="connsiteY3" fmla="*/ 2571051 h 2589220"/>
+              <a:gd name="connsiteX0" fmla="*/ 1983623 w 2100746"/>
+              <a:gd name="connsiteY0" fmla="*/ 2531638 h 2531638"/>
+              <a:gd name="connsiteX1" fmla="*/ 3484 w 2100746"/>
+              <a:gd name="connsiteY1" fmla="*/ 479127 h 2531638"/>
+              <a:gd name="connsiteX2" fmla="*/ 1491209 w 2100746"/>
+              <a:gd name="connsiteY2" fmla="*/ 171963 h 2531638"/>
+              <a:gd name="connsiteX3" fmla="*/ 2100746 w 2100746"/>
+              <a:gd name="connsiteY3" fmla="*/ 2513469 h 2531638"/>
+              <a:gd name="connsiteX0" fmla="*/ 2058040 w 2175163"/>
+              <a:gd name="connsiteY0" fmla="*/ 2441768 h 2441768"/>
+              <a:gd name="connsiteX1" fmla="*/ 77901 w 2175163"/>
+              <a:gd name="connsiteY1" fmla="*/ 389257 h 2441768"/>
+              <a:gd name="connsiteX2" fmla="*/ 470346 w 2175163"/>
+              <a:gd name="connsiteY2" fmla="*/ 201378 h 2441768"/>
+              <a:gd name="connsiteX3" fmla="*/ 2175163 w 2175163"/>
+              <a:gd name="connsiteY3" fmla="*/ 2423599 h 2441768"/>
+            </a:gdLst>
+            <a:ahLst/>
+            <a:cxnLst>
+              <a:cxn ang="0">
+                <a:pos x="connsiteX0" y="connsiteY0"/>
+              </a:cxn>
+              <a:cxn ang="0">
+                <a:pos x="connsiteX1" y="connsiteY1"/>
+              </a:cxn>
+              <a:cxn ang="0">
+                <a:pos x="connsiteX2" y="connsiteY2"/>
+              </a:cxn>
+              <a:cxn ang="0">
+                <a:pos x="connsiteX3" y="connsiteY3"/>
+              </a:cxn>
+            </a:cxnLst>
+            <a:rect l="l" t="t" r="r" b="b"/>
+            <a:pathLst>
+              <a:path w="2175163" h="2441768">
+                <a:moveTo>
+                  <a:pt x="2058040" y="2441768"/>
+                </a:moveTo>
+                <a:cubicBezTo>
+                  <a:pt x="1748536" y="1678827"/>
+                  <a:pt x="342517" y="762655"/>
+                  <a:pt x="77901" y="389257"/>
+                </a:cubicBezTo>
+                <a:cubicBezTo>
+                  <a:pt x="-186715" y="15859"/>
+                  <a:pt x="293287" y="-167974"/>
+                  <a:pt x="470346" y="201378"/>
+                </a:cubicBezTo>
+                <a:cubicBezTo>
+                  <a:pt x="647405" y="570730"/>
+                  <a:pt x="2037396" y="2006789"/>
+                  <a:pt x="2175163" y="2423599"/>
+                </a:cubicBezTo>
+              </a:path>
+            </a:pathLst>
+          </a:custGeom>
+          <a:noFill/>
+          <a:ln>
+            <a:solidFill>
+              <a:schemeClr val="tx1"/>
+            </a:solidFill>
+            <a:tailEnd type="triangle"/>
+          </a:ln>
+        </p:spPr>
+        <p:style>
+          <a:lnRef idx="2">
+            <a:schemeClr val="accent1">
+              <a:shade val="50000"/>
+            </a:schemeClr>
+          </a:lnRef>
+          <a:fillRef idx="1">
+            <a:schemeClr val="accent1"/>
+          </a:fillRef>
+          <a:effectRef idx="0">
+            <a:schemeClr val="accent1"/>
+          </a:effectRef>
+          <a:fontRef idx="minor">
+            <a:schemeClr val="lt1"/>
+          </a:fontRef>
+        </p:style>
+        <p:txBody>
+          <a:bodyPr rtlCol="0" anchor="ctr"/>
+          <a:lstStyle/>
+          <a:p>
+            <a:pPr algn="ctr"/>
+            <a:endParaRPr lang="en-GB" dirty="0"/>
+          </a:p>
+        </p:txBody>
+      </p:sp>
+      <p:grpSp>
+        <p:nvGrpSpPr>
+          <p:cNvPr id="48" name="Group 47">
+            <a:extLst>
+              <a:ext uri="{FF2B5EF4-FFF2-40B4-BE49-F238E27FC236}">
+                <a16:creationId xmlns:a16="http://schemas.microsoft.com/office/drawing/2014/main" id="{ACF94124-1928-427C-A3DA-2510AEAA689A}"/>
+              </a:ext>
+            </a:extLst>
+          </p:cNvPr>
+          <p:cNvGrpSpPr/>
+          <p:nvPr/>
+        </p:nvGrpSpPr>
+        <p:grpSpPr>
+          <a:xfrm>
+            <a:off x="3964820" y="1224810"/>
+            <a:ext cx="1556694" cy="722747"/>
+            <a:chOff x="2571044" y="1225485"/>
+            <a:chExt cx="1556694" cy="722747"/>
+          </a:xfrm>
+        </p:grpSpPr>
+        <p:sp>
+          <p:nvSpPr>
+            <p:cNvPr id="6" name="TextBox 5">
+              <a:extLst>
+                <a:ext uri="{FF2B5EF4-FFF2-40B4-BE49-F238E27FC236}">
+                  <a16:creationId xmlns:a16="http://schemas.microsoft.com/office/drawing/2014/main" id="{3BD5AFB2-A885-4F65-A2A1-B25BA3841F89}"/>
+                </a:ext>
+              </a:extLst>
+            </p:cNvPr>
+            <p:cNvSpPr txBox="1"/>
+            <p:nvPr/>
+          </p:nvSpPr>
+          <p:spPr>
+            <a:xfrm>
+              <a:off x="2571044" y="1225485"/>
+              <a:ext cx="1556694" cy="646331"/>
+            </a:xfrm>
+            <a:prstGeom prst="rect">
+              <a:avLst/>
+            </a:prstGeom>
+            <a:noFill/>
+            <a:ln>
+              <a:solidFill>
+                <a:schemeClr val="accent1"/>
+              </a:solidFill>
+            </a:ln>
+          </p:spPr>
+          <p:txBody>
+            <a:bodyPr wrap="square" rtlCol="0">
+              <a:spAutoFit/>
+            </a:bodyPr>
+            <a:lstStyle/>
+            <a:p>
+              <a:r>
+                <a:rPr lang="sv-SE" dirty="0"/>
+                <a:t>PROD_1B_ASE</a:t>
+              </a:r>
+            </a:p>
+            <a:p>
+              <a:endParaRPr lang="en-GB" dirty="0"/>
+            </a:p>
+          </p:txBody>
+        </p:sp>
+        <p:pic>
+          <p:nvPicPr>
+            <p:cNvPr id="47" name="Picture 46">
+              <a:extLst>
+                <a:ext uri="{FF2B5EF4-FFF2-40B4-BE49-F238E27FC236}">
+                  <a16:creationId xmlns:a16="http://schemas.microsoft.com/office/drawing/2014/main" id="{452F5F07-27A3-410C-BE3C-D1DBAABAB7B9}"/>
+                </a:ext>
+              </a:extLst>
+            </p:cNvPr>
+            <p:cNvPicPr>
+              <a:picLocks noChangeAspect="1"/>
+            </p:cNvPicPr>
+            <p:nvPr/>
+          </p:nvPicPr>
+          <p:blipFill>
+            <a:blip r:embed="rId2">
+              <a:extLst>
+                <a:ext uri="{28A0092B-C50C-407E-A947-70E740481C1C}">
+                  <a14:useLocalDpi xmlns:a14="http://schemas.microsoft.com/office/drawing/2010/main" val="0"/>
+                </a:ext>
+              </a:extLst>
+            </a:blip>
+            <a:stretch>
+              <a:fillRect/>
+            </a:stretch>
+          </p:blipFill>
+          <p:spPr>
+            <a:xfrm>
+              <a:off x="2622021" y="1548803"/>
+              <a:ext cx="304800" cy="304800"/>
+            </a:xfrm>
+            <a:prstGeom prst="rect">
+              <a:avLst/>
+            </a:prstGeom>
+          </p:spPr>
+        </p:pic>
+        <p:pic>
+          <p:nvPicPr>
+            <p:cNvPr id="24" name="Picture 2" descr="SAP Sybase REST API (OData) Access - DataDirect Connectivity">
+              <a:extLst>
+                <a:ext uri="{FF2B5EF4-FFF2-40B4-BE49-F238E27FC236}">
+                  <a16:creationId xmlns:a16="http://schemas.microsoft.com/office/drawing/2014/main" id="{A8F3135B-21CA-4364-BF34-7E7408E90CCD}"/>
+                </a:ext>
+              </a:extLst>
+            </p:cNvPr>
+            <p:cNvPicPr>
+              <a:picLocks noChangeAspect="1" noChangeArrowheads="1"/>
+            </p:cNvPicPr>
+            <p:nvPr/>
+          </p:nvPicPr>
+          <p:blipFill>
+            <a:blip r:embed="rId13">
+              <a:extLst>
+                <a:ext uri="{28A0092B-C50C-407E-A947-70E740481C1C}">
+                  <a14:useLocalDpi xmlns:a14="http://schemas.microsoft.com/office/drawing/2010/main" val="0"/>
+                </a:ext>
+              </a:extLst>
+            </a:blip>
+            <a:srcRect/>
+            <a:stretch>
+              <a:fillRect/>
+            </a:stretch>
+          </p:blipFill>
+          <p:spPr bwMode="auto">
+            <a:xfrm>
+              <a:off x="2818367" y="1590848"/>
+              <a:ext cx="964937" cy="357384"/>
+            </a:xfrm>
+            <a:prstGeom prst="rect">
+              <a:avLst/>
+            </a:prstGeom>
+            <a:noFill/>
+            <a:extLst>
+              <a:ext uri="{909E8E84-426E-40DD-AFC4-6F175D3DCCD1}">
+                <a14:hiddenFill xmlns:a14="http://schemas.microsoft.com/office/drawing/2010/main">
+                  <a:solidFill>
+                    <a:srgbClr val="FFFFFF"/>
+                  </a:solidFill>
+                </a14:hiddenFill>
+              </a:ext>
+            </a:extLst>
+          </p:spPr>
+        </p:pic>
+      </p:grpSp>
+      <p:sp>
+        <p:nvSpPr>
+          <p:cNvPr id="27" name="Freeform: Shape 26">
+            <a:extLst>
+              <a:ext uri="{FF2B5EF4-FFF2-40B4-BE49-F238E27FC236}">
+                <a16:creationId xmlns:a16="http://schemas.microsoft.com/office/drawing/2014/main" id="{58E9949C-45F4-4A7D-AF79-EE66EEE0B11E}"/>
+              </a:ext>
+            </a:extLst>
+          </p:cNvPr>
+          <p:cNvSpPr/>
+          <p:nvPr/>
+        </p:nvSpPr>
+        <p:spPr>
+          <a:xfrm>
+            <a:off x="2667551" y="1788479"/>
+            <a:ext cx="373069" cy="1891697"/>
+          </a:xfrm>
+          <a:custGeom>
+            <a:avLst/>
+            <a:gdLst>
+              <a:gd name="connsiteX0" fmla="*/ 670854 w 761490"/>
+              <a:gd name="connsiteY0" fmla="*/ 2014071 h 2265684"/>
+              <a:gd name="connsiteX1" fmla="*/ 4810 w 761490"/>
+              <a:gd name="connsiteY1" fmla="*/ 196559 h 2265684"/>
+              <a:gd name="connsiteX2" fmla="*/ 388632 w 761490"/>
+              <a:gd name="connsiteY2" fmla="*/ 264293 h 2265684"/>
+              <a:gd name="connsiteX3" fmla="*/ 727299 w 761490"/>
+              <a:gd name="connsiteY3" fmla="*/ 2104382 h 2265684"/>
+              <a:gd name="connsiteX4" fmla="*/ 749877 w 761490"/>
+              <a:gd name="connsiteY4" fmla="*/ 2172115 h 2265684"/>
+              <a:gd name="connsiteX5" fmla="*/ 749877 w 761490"/>
+              <a:gd name="connsiteY5" fmla="*/ 2172115 h 2265684"/>
+              <a:gd name="connsiteX0" fmla="*/ 670854 w 1049914"/>
+              <a:gd name="connsiteY0" fmla="*/ 2014071 h 2264983"/>
+              <a:gd name="connsiteX1" fmla="*/ 4810 w 1049914"/>
+              <a:gd name="connsiteY1" fmla="*/ 196559 h 2264983"/>
+              <a:gd name="connsiteX2" fmla="*/ 388632 w 1049914"/>
+              <a:gd name="connsiteY2" fmla="*/ 264293 h 2264983"/>
+              <a:gd name="connsiteX3" fmla="*/ 727299 w 1049914"/>
+              <a:gd name="connsiteY3" fmla="*/ 2104382 h 2264983"/>
+              <a:gd name="connsiteX4" fmla="*/ 749877 w 1049914"/>
+              <a:gd name="connsiteY4" fmla="*/ 2172115 h 2264983"/>
+              <a:gd name="connsiteX5" fmla="*/ 1049914 w 1049914"/>
+              <a:gd name="connsiteY5" fmla="*/ 2264983 h 2264983"/>
+              <a:gd name="connsiteX0" fmla="*/ 670854 w 1049914"/>
+              <a:gd name="connsiteY0" fmla="*/ 2014071 h 2297793"/>
+              <a:gd name="connsiteX1" fmla="*/ 4810 w 1049914"/>
+              <a:gd name="connsiteY1" fmla="*/ 196559 h 2297793"/>
+              <a:gd name="connsiteX2" fmla="*/ 388632 w 1049914"/>
+              <a:gd name="connsiteY2" fmla="*/ 264293 h 2297793"/>
+              <a:gd name="connsiteX3" fmla="*/ 727299 w 1049914"/>
+              <a:gd name="connsiteY3" fmla="*/ 2104382 h 2297793"/>
+              <a:gd name="connsiteX4" fmla="*/ 1049914 w 1049914"/>
+              <a:gd name="connsiteY4" fmla="*/ 2264983 h 2297793"/>
+              <a:gd name="connsiteX0" fmla="*/ 671701 w 1050761"/>
+              <a:gd name="connsiteY0" fmla="*/ 2023282 h 2274194"/>
+              <a:gd name="connsiteX1" fmla="*/ 5657 w 1050761"/>
+              <a:gd name="connsiteY1" fmla="*/ 205770 h 2274194"/>
+              <a:gd name="connsiteX2" fmla="*/ 389479 w 1050761"/>
+              <a:gd name="connsiteY2" fmla="*/ 273504 h 2274194"/>
+              <a:gd name="connsiteX3" fmla="*/ 1050761 w 1050761"/>
+              <a:gd name="connsiteY3" fmla="*/ 2274194 h 2274194"/>
+              <a:gd name="connsiteX0" fmla="*/ 944674 w 1061797"/>
+              <a:gd name="connsiteY0" fmla="*/ 2310396 h 2310396"/>
+              <a:gd name="connsiteX1" fmla="*/ 16693 w 1061797"/>
+              <a:gd name="connsiteY1" fmla="*/ 223803 h 2310396"/>
+              <a:gd name="connsiteX2" fmla="*/ 400515 w 1061797"/>
+              <a:gd name="connsiteY2" fmla="*/ 291537 h 2310396"/>
+              <a:gd name="connsiteX3" fmla="*/ 1061797 w 1061797"/>
+              <a:gd name="connsiteY3" fmla="*/ 2292227 h 2310396"/>
+              <a:gd name="connsiteX0" fmla="*/ 952606 w 2012148"/>
+              <a:gd name="connsiteY0" fmla="*/ 2431124 h 2431124"/>
+              <a:gd name="connsiteX1" fmla="*/ 24625 w 2012148"/>
+              <a:gd name="connsiteY1" fmla="*/ 344531 h 2431124"/>
+              <a:gd name="connsiteX2" fmla="*/ 1995307 w 2012148"/>
+              <a:gd name="connsiteY2" fmla="*/ 207775 h 2431124"/>
+              <a:gd name="connsiteX3" fmla="*/ 1069729 w 2012148"/>
+              <a:gd name="connsiteY3" fmla="*/ 2412955 h 2431124"/>
+              <a:gd name="connsiteX0" fmla="*/ 96523 w 1141841"/>
+              <a:gd name="connsiteY0" fmla="*/ 2487308 h 2487308"/>
+              <a:gd name="connsiteX1" fmla="*/ 479426 w 1141841"/>
+              <a:gd name="connsiteY1" fmla="*/ 287110 h 2487308"/>
+              <a:gd name="connsiteX2" fmla="*/ 1139224 w 1141841"/>
+              <a:gd name="connsiteY2" fmla="*/ 263959 h 2487308"/>
+              <a:gd name="connsiteX3" fmla="*/ 213646 w 1141841"/>
+              <a:gd name="connsiteY3" fmla="*/ 2469139 h 2487308"/>
+              <a:gd name="connsiteX0" fmla="*/ 638053 w 1681707"/>
+              <a:gd name="connsiteY0" fmla="*/ 2469029 h 2469029"/>
+              <a:gd name="connsiteX1" fmla="*/ 37793 w 1681707"/>
+              <a:gd name="connsiteY1" fmla="*/ 308592 h 2469029"/>
+              <a:gd name="connsiteX2" fmla="*/ 1680754 w 1681707"/>
+              <a:gd name="connsiteY2" fmla="*/ 245680 h 2469029"/>
+              <a:gd name="connsiteX3" fmla="*/ 755176 w 1681707"/>
+              <a:gd name="connsiteY3" fmla="*/ 2450860 h 2469029"/>
+              <a:gd name="connsiteX0" fmla="*/ 601336 w 718459"/>
+              <a:gd name="connsiteY0" fmla="*/ 2469029 h 2469029"/>
+              <a:gd name="connsiteX1" fmla="*/ 1076 w 718459"/>
+              <a:gd name="connsiteY1" fmla="*/ 308592 h 2469029"/>
+              <a:gd name="connsiteX2" fmla="*/ 436643 w 718459"/>
+              <a:gd name="connsiteY2" fmla="*/ 245680 h 2469029"/>
+              <a:gd name="connsiteX3" fmla="*/ 718459 w 718459"/>
+              <a:gd name="connsiteY3" fmla="*/ 2450860 h 2469029"/>
+              <a:gd name="connsiteX0" fmla="*/ 558313 w 675436"/>
+              <a:gd name="connsiteY0" fmla="*/ 2447829 h 2447829"/>
+              <a:gd name="connsiteX1" fmla="*/ 1173 w 675436"/>
+              <a:gd name="connsiteY1" fmla="*/ 338515 h 2447829"/>
+              <a:gd name="connsiteX2" fmla="*/ 393620 w 675436"/>
+              <a:gd name="connsiteY2" fmla="*/ 224480 h 2447829"/>
+              <a:gd name="connsiteX3" fmla="*/ 675436 w 675436"/>
+              <a:gd name="connsiteY3" fmla="*/ 2429660 h 2447829"/>
+              <a:gd name="connsiteX0" fmla="*/ 558454 w 675577"/>
+              <a:gd name="connsiteY0" fmla="*/ 2355876 h 2355876"/>
+              <a:gd name="connsiteX1" fmla="*/ 1314 w 675577"/>
+              <a:gd name="connsiteY1" fmla="*/ 246562 h 2355876"/>
+              <a:gd name="connsiteX2" fmla="*/ 385136 w 675577"/>
+              <a:gd name="connsiteY2" fmla="*/ 285893 h 2355876"/>
+              <a:gd name="connsiteX3" fmla="*/ 675577 w 675577"/>
+              <a:gd name="connsiteY3" fmla="*/ 2337707 h 2355876"/>
+            </a:gdLst>
+            <a:ahLst/>
+            <a:cxnLst>
+              <a:cxn ang="0">
+                <a:pos x="connsiteX0" y="connsiteY0"/>
+              </a:cxn>
+              <a:cxn ang="0">
+                <a:pos x="connsiteX1" y="connsiteY1"/>
+              </a:cxn>
+              <a:cxn ang="0">
+                <a:pos x="connsiteX2" y="connsiteY2"/>
+              </a:cxn>
+              <a:cxn ang="0">
+                <a:pos x="connsiteX3" y="connsiteY3"/>
+              </a:cxn>
+            </a:cxnLst>
+            <a:rect l="l" t="t" r="r" b="b"/>
+            <a:pathLst>
+              <a:path w="675577" h="2355876">
+                <a:moveTo>
+                  <a:pt x="558454" y="2355876"/>
+                </a:moveTo>
+                <a:cubicBezTo>
+                  <a:pt x="248950" y="1592935"/>
+                  <a:pt x="30200" y="591559"/>
+                  <a:pt x="1314" y="246562"/>
+                </a:cubicBezTo>
+                <a:cubicBezTo>
+                  <a:pt x="-27572" y="-98435"/>
+                  <a:pt x="429433" y="-77779"/>
+                  <a:pt x="385136" y="285893"/>
+                </a:cubicBezTo>
+                <a:cubicBezTo>
+                  <a:pt x="340839" y="649565"/>
+                  <a:pt x="537810" y="1920897"/>
+                  <a:pt x="675577" y="2337707"/>
+                </a:cubicBezTo>
+              </a:path>
+            </a:pathLst>
+          </a:custGeom>
+          <a:noFill/>
+          <a:ln>
+            <a:solidFill>
+              <a:schemeClr val="tx1"/>
+            </a:solidFill>
+            <a:tailEnd type="triangle"/>
+          </a:ln>
+        </p:spPr>
+        <p:style>
+          <a:lnRef idx="2">
+            <a:schemeClr val="accent1">
+              <a:shade val="50000"/>
+            </a:schemeClr>
+          </a:lnRef>
+          <a:fillRef idx="1">
+            <a:schemeClr val="accent1"/>
+          </a:fillRef>
+          <a:effectRef idx="0">
+            <a:schemeClr val="accent1"/>
+          </a:effectRef>
+          <a:fontRef idx="minor">
+            <a:schemeClr val="lt1"/>
+          </a:fontRef>
+        </p:style>
+        <p:txBody>
+          <a:bodyPr rtlCol="0" anchor="ctr"/>
+          <a:lstStyle/>
+          <a:p>
+            <a:pPr algn="ctr"/>
+            <a:endParaRPr lang="en-GB" dirty="0"/>
+          </a:p>
+        </p:txBody>
+      </p:sp>
+      <p:pic>
+        <p:nvPicPr>
+          <p:cNvPr id="49" name="Picture 48">
+            <a:extLst>
+              <a:ext uri="{FF2B5EF4-FFF2-40B4-BE49-F238E27FC236}">
+                <a16:creationId xmlns:a16="http://schemas.microsoft.com/office/drawing/2014/main" id="{E2373B30-C355-49B3-8403-4C7C06FD20DA}"/>
+              </a:ext>
+            </a:extLst>
+          </p:cNvPr>
+          <p:cNvPicPr>
+            <a:picLocks noChangeAspect="1"/>
+          </p:cNvPicPr>
+          <p:nvPr/>
+        </p:nvPicPr>
+        <p:blipFill>
+          <a:blip r:embed="rId3">
+            <a:extLst>
+              <a:ext uri="{28A0092B-C50C-407E-A947-70E740481C1C}">
+                <a14:useLocalDpi xmlns:a14="http://schemas.microsoft.com/office/drawing/2010/main" val="0"/>
+              </a:ext>
+            </a:extLst>
+          </a:blip>
+          <a:stretch>
+            <a:fillRect/>
+          </a:stretch>
+        </p:blipFill>
+        <p:spPr>
+          <a:xfrm>
+            <a:off x="1879409" y="4484188"/>
+            <a:ext cx="304800" cy="304800"/>
+          </a:xfrm>
+          <a:prstGeom prst="rect">
+            <a:avLst/>
+          </a:prstGeom>
+        </p:spPr>
+      </p:pic>
+      <p:pic>
+        <p:nvPicPr>
+          <p:cNvPr id="50" name="Picture 49">
+            <a:extLst>
+              <a:ext uri="{FF2B5EF4-FFF2-40B4-BE49-F238E27FC236}">
+                <a16:creationId xmlns:a16="http://schemas.microsoft.com/office/drawing/2014/main" id="{CE797A5F-EF3B-4641-B33B-27E633D511D9}"/>
+              </a:ext>
+            </a:extLst>
+          </p:cNvPr>
+          <p:cNvPicPr>
+            <a:picLocks noChangeAspect="1"/>
+          </p:cNvPicPr>
+          <p:nvPr/>
+        </p:nvPicPr>
+        <p:blipFill>
+          <a:blip r:embed="rId3">
+            <a:extLst>
+              <a:ext uri="{28A0092B-C50C-407E-A947-70E740481C1C}">
+                <a14:useLocalDpi xmlns:a14="http://schemas.microsoft.com/office/drawing/2010/main" val="0"/>
+              </a:ext>
+            </a:extLst>
+          </a:blip>
+          <a:stretch>
+            <a:fillRect/>
+          </a:stretch>
+        </p:blipFill>
+        <p:spPr>
+          <a:xfrm>
+            <a:off x="1879409" y="4818128"/>
+            <a:ext cx="304800" cy="304800"/>
+          </a:xfrm>
+          <a:prstGeom prst="rect">
+            <a:avLst/>
+          </a:prstGeom>
+        </p:spPr>
+      </p:pic>
+      <p:pic>
+        <p:nvPicPr>
+          <p:cNvPr id="51" name="Picture 50">
+            <a:extLst>
+              <a:ext uri="{FF2B5EF4-FFF2-40B4-BE49-F238E27FC236}">
+                <a16:creationId xmlns:a16="http://schemas.microsoft.com/office/drawing/2014/main" id="{00D7820C-88FB-4F81-8670-ABBFB36826D0}"/>
+              </a:ext>
+            </a:extLst>
+          </p:cNvPr>
+          <p:cNvPicPr>
+            <a:picLocks noChangeAspect="1"/>
+          </p:cNvPicPr>
+          <p:nvPr/>
+        </p:nvPicPr>
+        <p:blipFill>
+          <a:blip r:embed="rId3">
+            <a:extLst>
+              <a:ext uri="{28A0092B-C50C-407E-A947-70E740481C1C}">
+                <a14:useLocalDpi xmlns:a14="http://schemas.microsoft.com/office/drawing/2010/main" val="0"/>
+              </a:ext>
+            </a:extLst>
+          </a:blip>
+          <a:stretch>
+            <a:fillRect/>
+          </a:stretch>
+        </p:blipFill>
+        <p:spPr>
+          <a:xfrm>
+            <a:off x="1883882" y="5163179"/>
+            <a:ext cx="304800" cy="304800"/>
+          </a:xfrm>
+          <a:prstGeom prst="rect">
+            <a:avLst/>
+          </a:prstGeom>
+        </p:spPr>
+      </p:pic>
+      <p:sp>
+        <p:nvSpPr>
+          <p:cNvPr id="52" name="TextBox 51">
+            <a:extLst>
+              <a:ext uri="{FF2B5EF4-FFF2-40B4-BE49-F238E27FC236}">
+                <a16:creationId xmlns:a16="http://schemas.microsoft.com/office/drawing/2014/main" id="{9167C011-1395-4092-B467-841DE4595B3D}"/>
+              </a:ext>
+            </a:extLst>
+          </p:cNvPr>
+          <p:cNvSpPr txBox="1"/>
+          <p:nvPr/>
+        </p:nvSpPr>
+        <p:spPr>
+          <a:xfrm>
+            <a:off x="1550733" y="5499099"/>
+            <a:ext cx="1623096" cy="369332"/>
+          </a:xfrm>
+          <a:prstGeom prst="rect">
+            <a:avLst/>
+          </a:prstGeom>
+          <a:noFill/>
+        </p:spPr>
+        <p:txBody>
+          <a:bodyPr wrap="square" rtlCol="0">
+            <a:spAutoFit/>
+          </a:bodyPr>
+          <a:lstStyle/>
+          <a:p>
+            <a:r>
+              <a:rPr lang="en-GB" sz="900" i="1" dirty="0"/>
+              <a:t>One Recording DB for each day and server name</a:t>
             </a:r>
           </a:p>
         </p:txBody>
